--- a/ppt/R-05-Vectors.pptx
+++ b/ppt/R-05-Vectors.pptx
@@ -3729,7 +3729,6 @@
               <a:rPr lang="fr-FR" altLang="fr-FR" dirty="0" smtClean="0"/>
               <a:t>Vecteurs</a:t>
             </a:r>
-            <a:endParaRPr lang="fr-FR" altLang="fr-FR" dirty="0" smtClean="0"/>
           </a:p>
           <a:p>
             <a:pPr eaLnBrk="1" hangingPunct="1"/>
@@ -5415,6 +5414,13 @@
   <p:clrMapOvr>
     <a:masterClrMapping/>
   </p:clrMapOvr>
+  <p:timing>
+    <p:tnLst>
+      <p:par>
+        <p:cTn id="1" dur="indefinite" restart="never" nodeType="tmRoot"/>
+      </p:par>
+    </p:tnLst>
+  </p:timing>
 </p:sld>
 </file>
 
@@ -5811,7 +5817,6 @@
               <a:rPr lang="fr-FR" sz="2400" dirty="0"/>
               <a:t> comporte 25 éléments et le vecteur de soustraction seulement 2. Ainsi, en répétant ce vecteur pour créer un vecteur de longueur 25, R rencontre un problème: il est obligé de tronquer le vecteur de soustraction pour pouvoir créer un vecteur de 25 éléments (12 fois le vecteur complet plus une fois seulement le premier élément). </a:t>
             </a:r>
-            <a:endParaRPr lang="fr-FR" sz="2400" dirty="0"/>
           </a:p>
         </p:txBody>
       </p:sp>
@@ -6733,6 +6738,13 @@
   <p:clrMapOvr>
     <a:masterClrMapping/>
   </p:clrMapOvr>
+  <p:timing>
+    <p:tnLst>
+      <p:par>
+        <p:cTn id="1" dur="indefinite" restart="never" nodeType="tmRoot"/>
+      </p:par>
+    </p:tnLst>
+  </p:timing>
 </p:sld>
 </file>
 
@@ -6979,6 +6991,13 @@
   <p:clrMapOvr>
     <a:masterClrMapping/>
   </p:clrMapOvr>
+  <p:timing>
+    <p:tnLst>
+      <p:par>
+        <p:cTn id="1" dur="indefinite" restart="never" nodeType="tmRoot"/>
+      </p:par>
+    </p:tnLst>
+  </p:timing>
 </p:sld>
 </file>
 
@@ -7525,12 +7544,12 @@
               <a:t>Le for vu </a:t>
             </a:r>
             <a:r>
-              <a:rPr lang="fr-FR" dirty="0" err="1" smtClean="0"/>
-              <a:t>précédement</a:t>
-            </a:r>
-            <a:r>
-              <a:rPr lang="fr-FR" dirty="0" smtClean="0"/>
-              <a:t> n'était qu'un cas particulier de</a:t>
+              <a:rPr lang="fr-FR" dirty="0" smtClean="0"/>
+              <a:t>précédemment </a:t>
+            </a:r>
+            <a:r>
+              <a:rPr lang="fr-FR" dirty="0" smtClean="0"/>
+              <a:t>n'était qu'un cas particulier de</a:t>
             </a:r>
           </a:p>
           <a:p>
@@ -7576,7 +7595,15 @@
             </a:r>
             <a:r>
               <a:rPr lang="en-US" dirty="0" smtClean="0"/>
-              <a:t> quell </a:t>
+              <a:t> </a:t>
+            </a:r>
+            <a:r>
+              <a:rPr lang="en-US" dirty="0" err="1" smtClean="0"/>
+              <a:t>quel</a:t>
+            </a:r>
+            <a:r>
+              <a:rPr lang="en-US" dirty="0" smtClean="0"/>
+              <a:t> </a:t>
             </a:r>
             <a:r>
               <a:rPr lang="en-US" dirty="0" err="1" smtClean="0"/>
@@ -7588,11 +7615,7 @@
             <a:pPr eaLnBrk="1" hangingPunct="1"/>
             <a:r>
               <a:rPr lang="fr-FR" dirty="0" smtClean="0"/>
-              <a:t>for </a:t>
-            </a:r>
-            <a:r>
-              <a:rPr lang="fr-FR" dirty="0" smtClean="0"/>
-              <a:t>(var </a:t>
+              <a:t>for (var </a:t>
             </a:r>
             <a:r>
               <a:rPr lang="fr-FR" dirty="0"/>
@@ -7619,12 +7642,12 @@
               <a:t>Le pas </a:t>
             </a:r>
             <a:r>
-              <a:rPr lang="en-US" altLang="fr-FR" dirty="0" err="1" smtClean="0"/>
-              <a:t>dur</a:t>
-            </a:r>
-            <a:r>
               <a:rPr lang="en-US" altLang="fr-FR" dirty="0" smtClean="0"/>
-              <a:t> for </a:t>
+              <a:t>du </a:t>
+            </a:r>
+            <a:r>
+              <a:rPr lang="en-US" altLang="fr-FR" dirty="0" smtClean="0"/>
+              <a:t>for </a:t>
             </a:r>
             <a:r>
               <a:rPr lang="en-US" altLang="fr-FR" dirty="0" err="1" smtClean="0"/>

--- a/ppt/R-05-Vectors.pptx
+++ b/ppt/R-05-Vectors.pptx
@@ -6547,8 +6547,8 @@
               <a:t>rank</a:t>
             </a:r>
             <a:r>
-              <a:rPr lang="fr-FR" dirty="0" smtClean="0"/>
-              <a:t>(()renvoie</a:t>
+              <a:rPr lang="fr-FR" smtClean="0"/>
+              <a:t>() renvoie</a:t>
             </a:r>
             <a:r>
               <a:rPr lang="fr-FR" dirty="0"/>
@@ -6624,14 +6624,10 @@
             </a:r>
             <a:r>
               <a:rPr lang="fr-FR" sz="2000" dirty="0"/>
-              <a:t>des éléments de même valeur (et donc de même rang), il leur attribue la moyenne de l'ensemble des rangs que prendraient </a:t>
-            </a:r>
-            <a:r>
-              <a:rPr lang="fr-FR" sz="2000"/>
-              <a:t>ces </a:t>
-            </a:r>
-            <a:r>
-              <a:rPr lang="fr-FR" sz="2000" smtClean="0"/>
+              <a:t>des éléments de même valeur (et donc de même rang), il leur attribue la moyenne de l'ensemble des rangs que prendraient ces </a:t>
+            </a:r>
+            <a:r>
+              <a:rPr lang="fr-FR" sz="2000" dirty="0" smtClean="0"/>
               <a:t>éléments</a:t>
             </a:r>
             <a:endParaRPr lang="fr-FR" sz="2000" dirty="0"/>
@@ -7541,15 +7537,7 @@
             <a:pPr eaLnBrk="1" hangingPunct="1"/>
             <a:r>
               <a:rPr lang="fr-FR" dirty="0" smtClean="0"/>
-              <a:t>Le for vu </a:t>
-            </a:r>
-            <a:r>
-              <a:rPr lang="fr-FR" dirty="0" smtClean="0"/>
-              <a:t>précédemment </a:t>
-            </a:r>
-            <a:r>
-              <a:rPr lang="fr-FR" dirty="0" smtClean="0"/>
-              <a:t>n'était qu'un cas particulier de</a:t>
+              <a:t>Le for vu précédemment n'était qu'un cas particulier de</a:t>
             </a:r>
           </a:p>
           <a:p>
@@ -7639,15 +7627,7 @@
             <a:pPr eaLnBrk="1" hangingPunct="1"/>
             <a:r>
               <a:rPr lang="en-US" altLang="fr-FR" dirty="0" smtClean="0"/>
-              <a:t>Le pas </a:t>
-            </a:r>
-            <a:r>
-              <a:rPr lang="en-US" altLang="fr-FR" dirty="0" smtClean="0"/>
-              <a:t>du </a:t>
-            </a:r>
-            <a:r>
-              <a:rPr lang="en-US" altLang="fr-FR" dirty="0" smtClean="0"/>
-              <a:t>for </a:t>
+              <a:t>Le pas du for </a:t>
             </a:r>
             <a:r>
               <a:rPr lang="en-US" altLang="fr-FR" dirty="0" err="1" smtClean="0"/>

--- a/ppt/R-05-Vectors.pptx
+++ b/ppt/R-05-Vectors.pptx
@@ -3910,6 +3910,13 @@
   <p:clrMapOvr>
     <a:masterClrMapping/>
   </p:clrMapOvr>
+  <p:timing>
+    <p:tnLst>
+      <p:par>
+        <p:cTn id="1" dur="indefinite" restart="never" nodeType="tmRoot"/>
+      </p:par>
+    </p:tnLst>
+  </p:timing>
 </p:sld>
 </file>
 
@@ -4028,6 +4035,13 @@
   <p:clrMapOvr>
     <a:masterClrMapping/>
   </p:clrMapOvr>
+  <p:timing>
+    <p:tnLst>
+      <p:par>
+        <p:cTn id="1" dur="indefinite" restart="never" nodeType="tmRoot"/>
+      </p:par>
+    </p:tnLst>
+  </p:timing>
 </p:sld>
 </file>
 
@@ -4157,6 +4171,13 @@
   <p:clrMapOvr>
     <a:masterClrMapping/>
   </p:clrMapOvr>
+  <p:timing>
+    <p:tnLst>
+      <p:par>
+        <p:cTn id="1" dur="indefinite" restart="never" nodeType="tmRoot"/>
+      </p:par>
+    </p:tnLst>
+  </p:timing>
 </p:sld>
 </file>
 
@@ -4419,6 +4440,13 @@
   <p:clrMapOvr>
     <a:masterClrMapping/>
   </p:clrMapOvr>
+  <p:timing>
+    <p:tnLst>
+      <p:par>
+        <p:cTn id="1" dur="indefinite" restart="never" nodeType="tmRoot"/>
+      </p:par>
+    </p:tnLst>
+  </p:timing>
 </p:sld>
 </file>
 
@@ -4605,6 +4633,13 @@
   <p:clrMapOvr>
     <a:masterClrMapping/>
   </p:clrMapOvr>
+  <p:timing>
+    <p:tnLst>
+      <p:par>
+        <p:cTn id="1" dur="indefinite" restart="never" nodeType="tmRoot"/>
+      </p:par>
+    </p:tnLst>
+  </p:timing>
 </p:sld>
 </file>
 
@@ -4770,6 +4805,13 @@
   <p:clrMapOvr>
     <a:masterClrMapping/>
   </p:clrMapOvr>
+  <p:timing>
+    <p:tnLst>
+      <p:par>
+        <p:cTn id="1" dur="indefinite" restart="never" nodeType="tmRoot"/>
+      </p:par>
+    </p:tnLst>
+  </p:timing>
 </p:sld>
 </file>
 
@@ -4872,6 +4914,13 @@
   <p:clrMapOvr>
     <a:masterClrMapping/>
   </p:clrMapOvr>
+  <p:timing>
+    <p:tnLst>
+      <p:par>
+        <p:cTn id="1" dur="indefinite" restart="never" nodeType="tmRoot"/>
+      </p:par>
+    </p:tnLst>
+  </p:timing>
 </p:sld>
 </file>
 
@@ -5041,6 +5090,13 @@
   <p:clrMapOvr>
     <a:masterClrMapping/>
   </p:clrMapOvr>
+  <p:timing>
+    <p:tnLst>
+      <p:par>
+        <p:cTn id="1" dur="indefinite" restart="never" nodeType="tmRoot"/>
+      </p:par>
+    </p:tnLst>
+  </p:timing>
 </p:sld>
 </file>
 
@@ -6947,9 +7003,23 @@
           <a:p>
             <a:r>
               <a:rPr lang="fr-FR" dirty="0" smtClean="0"/>
-              <a:t>Il existe des fonctions raccourcis pour créer des vecteurs typés</a:t>
-            </a:r>
-            <a:endParaRPr lang="fr-FR" dirty="0"/>
+              <a:t>Il existe des fonctions raccourcis pour créer des vecteurs </a:t>
+            </a:r>
+            <a:r>
+              <a:rPr lang="fr-FR" dirty="0" smtClean="0"/>
+              <a:t>typés</a:t>
+            </a:r>
+          </a:p>
+          <a:p>
+            <a:r>
+              <a:rPr lang="fr-FR" sz="1600" dirty="0" err="1" smtClean="0"/>
+              <a:t>length</a:t>
+            </a:r>
+            <a:r>
+              <a:rPr lang="fr-FR" sz="1600" dirty="0" smtClean="0"/>
+              <a:t>() permet de connaitre la taille du vecteur</a:t>
+            </a:r>
+            <a:endParaRPr lang="fr-FR" sz="1600" dirty="0"/>
           </a:p>
         </p:txBody>
       </p:sp>
@@ -6969,7 +7039,7 @@
         </p:blipFill>
         <p:spPr>
           <a:xfrm>
-            <a:off x="3275856" y="4725035"/>
+            <a:off x="4909263" y="4653136"/>
             <a:ext cx="4048125" cy="1695450"/>
           </a:xfrm>
           <a:prstGeom prst="rect">
@@ -7146,6 +7216,13 @@
   <p:clrMapOvr>
     <a:masterClrMapping/>
   </p:clrMapOvr>
+  <p:timing>
+    <p:tnLst>
+      <p:par>
+        <p:cTn id="1" dur="indefinite" restart="never" nodeType="tmRoot"/>
+      </p:par>
+    </p:tnLst>
+  </p:timing>
 </p:sld>
 </file>
 
@@ -7259,6 +7336,13 @@
   <p:clrMapOvr>
     <a:masterClrMapping/>
   </p:clrMapOvr>
+  <p:timing>
+    <p:tnLst>
+      <p:par>
+        <p:cTn id="1" dur="indefinite" restart="never" nodeType="tmRoot"/>
+      </p:par>
+    </p:tnLst>
+  </p:timing>
 </p:sld>
 </file>
 
@@ -7363,6 +7447,13 @@
   <p:clrMapOvr>
     <a:masterClrMapping/>
   </p:clrMapOvr>
+  <p:timing>
+    <p:tnLst>
+      <p:par>
+        <p:cTn id="1" dur="indefinite" restart="never" nodeType="tmRoot"/>
+      </p:par>
+    </p:tnLst>
+  </p:timing>
 </p:sld>
 </file>
 
@@ -7476,6 +7567,13 @@
   <p:clrMapOvr>
     <a:masterClrMapping/>
   </p:clrMapOvr>
+  <p:timing>
+    <p:tnLst>
+      <p:par>
+        <p:cTn id="1" dur="indefinite" restart="never" nodeType="tmRoot"/>
+      </p:par>
+    </p:tnLst>
+  </p:timing>
 </p:sld>
 </file>
 
@@ -7675,6 +7773,13 @@
   <p:clrMapOvr>
     <a:masterClrMapping/>
   </p:clrMapOvr>
+  <p:timing>
+    <p:tnLst>
+      <p:par>
+        <p:cTn id="1" dur="indefinite" restart="never" nodeType="tmRoot"/>
+      </p:par>
+    </p:tnLst>
+  </p:timing>
 </p:sld>
 </file>
 

--- a/ppt/R-05-Vectors.pptx
+++ b/ppt/R-05-Vectors.pptx
@@ -630,35 +630,35 @@
           <a:p>
             <a:pPr lvl="0"/>
             <a:r>
-              <a:rPr lang="fr-FR" noProof="0" smtClean="0"/>
+              <a:rPr lang="fr-FR" noProof="0"/>
               <a:t>Cliquez pour modifier les styles du texte du masque</a:t>
             </a:r>
           </a:p>
           <a:p>
             <a:pPr lvl="1"/>
             <a:r>
-              <a:rPr lang="fr-FR" noProof="0" smtClean="0"/>
+              <a:rPr lang="fr-FR" noProof="0"/>
               <a:t>Deuxième niveau</a:t>
             </a:r>
           </a:p>
           <a:p>
             <a:pPr lvl="2"/>
             <a:r>
-              <a:rPr lang="fr-FR" noProof="0" smtClean="0"/>
+              <a:rPr lang="fr-FR" noProof="0"/>
               <a:t>Troisième niveau</a:t>
             </a:r>
           </a:p>
           <a:p>
             <a:pPr lvl="3"/>
             <a:r>
-              <a:rPr lang="fr-FR" noProof="0" smtClean="0"/>
+              <a:rPr lang="fr-FR" noProof="0"/>
               <a:t>Quatrième niveau</a:t>
             </a:r>
           </a:p>
           <a:p>
             <a:pPr lvl="4"/>
             <a:r>
-              <a:rPr lang="fr-FR" noProof="0" smtClean="0"/>
+              <a:rPr lang="fr-FR" noProof="0"/>
               <a:t>Cinquième niveau</a:t>
             </a:r>
           </a:p>
@@ -946,10 +946,9 @@
           <a:lstStyle/>
           <a:p>
             <a:r>
-              <a:rPr lang="fr-FR" smtClean="0"/>
+              <a:rPr lang="fr-FR"/>
               <a:t>Cliquez pour modifier le style du titre</a:t>
             </a:r>
-            <a:endParaRPr lang="fr-FR"/>
           </a:p>
         </p:txBody>
       </p:sp>
@@ -1011,10 +1010,9 @@
           </a:lstStyle>
           <a:p>
             <a:r>
-              <a:rPr lang="fr-FR" smtClean="0"/>
+              <a:rPr lang="fr-FR"/>
               <a:t>Cliquez pour modifier le style des sous-titres du masque</a:t>
             </a:r>
-            <a:endParaRPr lang="fr-FR"/>
           </a:p>
         </p:txBody>
       </p:sp>
@@ -1069,10 +1067,9 @@
           <a:lstStyle/>
           <a:p>
             <a:r>
-              <a:rPr lang="fr-FR" smtClean="0"/>
+              <a:rPr lang="fr-FR"/>
               <a:t>Cliquez pour modifier le style du titre</a:t>
             </a:r>
-            <a:endParaRPr lang="fr-FR"/>
           </a:p>
         </p:txBody>
       </p:sp>
@@ -1098,38 +1095,37 @@
           <a:p>
             <a:pPr lvl="0"/>
             <a:r>
-              <a:rPr lang="fr-FR" smtClean="0"/>
+              <a:rPr lang="fr-FR"/>
               <a:t>Cliquez pour modifier les styles du texte du masque</a:t>
             </a:r>
           </a:p>
           <a:p>
             <a:pPr lvl="1"/>
             <a:r>
-              <a:rPr lang="fr-FR" smtClean="0"/>
+              <a:rPr lang="fr-FR"/>
               <a:t>Deuxième niveau</a:t>
             </a:r>
           </a:p>
           <a:p>
             <a:pPr lvl="2"/>
             <a:r>
-              <a:rPr lang="fr-FR" smtClean="0"/>
+              <a:rPr lang="fr-FR"/>
               <a:t>Troisième niveau</a:t>
             </a:r>
           </a:p>
           <a:p>
             <a:pPr lvl="3"/>
             <a:r>
-              <a:rPr lang="fr-FR" smtClean="0"/>
+              <a:rPr lang="fr-FR"/>
               <a:t>Quatrième niveau</a:t>
             </a:r>
           </a:p>
           <a:p>
             <a:pPr lvl="4"/>
             <a:r>
-              <a:rPr lang="fr-FR" smtClean="0"/>
+              <a:rPr lang="fr-FR"/>
               <a:t>Cinquième niveau</a:t>
             </a:r>
-            <a:endParaRPr lang="fr-FR"/>
           </a:p>
         </p:txBody>
       </p:sp>
@@ -1188,10 +1184,9 @@
           </a:lstStyle>
           <a:p>
             <a:r>
-              <a:rPr lang="fr-FR" dirty="0" smtClean="0"/>
+              <a:rPr lang="fr-FR" dirty="0"/>
               <a:t>Cliquez pour modifier le style du titre</a:t>
             </a:r>
-            <a:endParaRPr lang="fr-FR" dirty="0"/>
           </a:p>
         </p:txBody>
       </p:sp>
@@ -1217,38 +1212,37 @@
           <a:p>
             <a:pPr lvl="0"/>
             <a:r>
-              <a:rPr lang="fr-FR" dirty="0" smtClean="0"/>
+              <a:rPr lang="fr-FR" dirty="0"/>
               <a:t>Cliquez pour modifier les styles du texte du masque</a:t>
             </a:r>
           </a:p>
           <a:p>
             <a:pPr lvl="1"/>
             <a:r>
-              <a:rPr lang="fr-FR" dirty="0" smtClean="0"/>
+              <a:rPr lang="fr-FR" dirty="0"/>
               <a:t>Deuxième niveau</a:t>
             </a:r>
           </a:p>
           <a:p>
             <a:pPr lvl="2"/>
             <a:r>
-              <a:rPr lang="fr-FR" dirty="0" smtClean="0"/>
+              <a:rPr lang="fr-FR" dirty="0"/>
               <a:t>Troisième niveau</a:t>
             </a:r>
           </a:p>
           <a:p>
             <a:pPr lvl="3"/>
             <a:r>
-              <a:rPr lang="fr-FR" dirty="0" smtClean="0"/>
+              <a:rPr lang="fr-FR" dirty="0"/>
               <a:t>Quatrième niveau</a:t>
             </a:r>
           </a:p>
           <a:p>
             <a:pPr lvl="4"/>
             <a:r>
-              <a:rPr lang="fr-FR" dirty="0" smtClean="0"/>
+              <a:rPr lang="fr-FR" dirty="0"/>
               <a:t>Cinquième niveau</a:t>
             </a:r>
-            <a:endParaRPr lang="fr-FR" dirty="0"/>
           </a:p>
         </p:txBody>
       </p:sp>
@@ -1298,10 +1292,9 @@
           <a:lstStyle/>
           <a:p>
             <a:r>
-              <a:rPr lang="fr-FR" smtClean="0"/>
+              <a:rPr lang="fr-FR"/>
               <a:t>Cliquez pour modifier le style du titre</a:t>
             </a:r>
-            <a:endParaRPr lang="fr-FR"/>
           </a:p>
         </p:txBody>
       </p:sp>
@@ -1355,38 +1348,37 @@
           <a:p>
             <a:pPr lvl="0"/>
             <a:r>
-              <a:rPr lang="fr-FR" smtClean="0"/>
+              <a:rPr lang="fr-FR"/>
               <a:t>Cliquez pour modifier les styles du texte du masque</a:t>
             </a:r>
           </a:p>
           <a:p>
             <a:pPr lvl="1"/>
             <a:r>
-              <a:rPr lang="fr-FR" smtClean="0"/>
+              <a:rPr lang="fr-FR"/>
               <a:t>Deuxième niveau</a:t>
             </a:r>
           </a:p>
           <a:p>
             <a:pPr lvl="2"/>
             <a:r>
-              <a:rPr lang="fr-FR" smtClean="0"/>
+              <a:rPr lang="fr-FR"/>
               <a:t>Troisième niveau</a:t>
             </a:r>
           </a:p>
           <a:p>
             <a:pPr lvl="3"/>
             <a:r>
-              <a:rPr lang="fr-FR" smtClean="0"/>
+              <a:rPr lang="fr-FR"/>
               <a:t>Quatrième niveau</a:t>
             </a:r>
           </a:p>
           <a:p>
             <a:pPr lvl="4"/>
             <a:r>
-              <a:rPr lang="fr-FR" smtClean="0"/>
+              <a:rPr lang="fr-FR"/>
               <a:t>Cinquième niveau</a:t>
             </a:r>
-            <a:endParaRPr lang="fr-FR"/>
           </a:p>
         </p:txBody>
       </p:sp>
@@ -1440,38 +1432,37 @@
           <a:p>
             <a:pPr lvl="0"/>
             <a:r>
-              <a:rPr lang="fr-FR" smtClean="0"/>
+              <a:rPr lang="fr-FR"/>
               <a:t>Cliquez pour modifier les styles du texte du masque</a:t>
             </a:r>
           </a:p>
           <a:p>
             <a:pPr lvl="1"/>
             <a:r>
-              <a:rPr lang="fr-FR" smtClean="0"/>
+              <a:rPr lang="fr-FR"/>
               <a:t>Deuxième niveau</a:t>
             </a:r>
           </a:p>
           <a:p>
             <a:pPr lvl="2"/>
             <a:r>
-              <a:rPr lang="fr-FR" smtClean="0"/>
+              <a:rPr lang="fr-FR"/>
               <a:t>Troisième niveau</a:t>
             </a:r>
           </a:p>
           <a:p>
             <a:pPr lvl="3"/>
             <a:r>
-              <a:rPr lang="fr-FR" smtClean="0"/>
+              <a:rPr lang="fr-FR"/>
               <a:t>Quatrième niveau</a:t>
             </a:r>
           </a:p>
           <a:p>
             <a:pPr lvl="4"/>
             <a:r>
-              <a:rPr lang="fr-FR" smtClean="0"/>
+              <a:rPr lang="fr-FR"/>
               <a:t>Cinquième niveau</a:t>
             </a:r>
-            <a:endParaRPr lang="fr-FR"/>
           </a:p>
         </p:txBody>
       </p:sp>
@@ -1530,10 +1521,9 @@
           </a:lstStyle>
           <a:p>
             <a:r>
-              <a:rPr lang="fr-FR" smtClean="0"/>
+              <a:rPr lang="fr-FR"/>
               <a:t>Cliquez pour modifier le style du titre</a:t>
             </a:r>
-            <a:endParaRPr lang="fr-FR"/>
           </a:p>
         </p:txBody>
       </p:sp>
@@ -1596,7 +1586,7 @@
           <a:p>
             <a:pPr lvl="0"/>
             <a:r>
-              <a:rPr lang="fr-FR" smtClean="0"/>
+              <a:rPr lang="fr-FR"/>
               <a:t>Cliquez pour modifier les styles du texte du masque</a:t>
             </a:r>
           </a:p>
@@ -1652,38 +1642,37 @@
           <a:p>
             <a:pPr lvl="0"/>
             <a:r>
-              <a:rPr lang="fr-FR" smtClean="0"/>
+              <a:rPr lang="fr-FR"/>
               <a:t>Cliquez pour modifier les styles du texte du masque</a:t>
             </a:r>
           </a:p>
           <a:p>
             <a:pPr lvl="1"/>
             <a:r>
-              <a:rPr lang="fr-FR" smtClean="0"/>
+              <a:rPr lang="fr-FR"/>
               <a:t>Deuxième niveau</a:t>
             </a:r>
           </a:p>
           <a:p>
             <a:pPr lvl="2"/>
             <a:r>
-              <a:rPr lang="fr-FR" smtClean="0"/>
+              <a:rPr lang="fr-FR"/>
               <a:t>Troisième niveau</a:t>
             </a:r>
           </a:p>
           <a:p>
             <a:pPr lvl="3"/>
             <a:r>
-              <a:rPr lang="fr-FR" smtClean="0"/>
+              <a:rPr lang="fr-FR"/>
               <a:t>Quatrième niveau</a:t>
             </a:r>
           </a:p>
           <a:p>
             <a:pPr lvl="4"/>
             <a:r>
-              <a:rPr lang="fr-FR" smtClean="0"/>
+              <a:rPr lang="fr-FR"/>
               <a:t>Cinquième niveau</a:t>
             </a:r>
-            <a:endParaRPr lang="fr-FR"/>
           </a:p>
         </p:txBody>
       </p:sp>
@@ -1746,7 +1735,7 @@
           <a:p>
             <a:pPr lvl="0"/>
             <a:r>
-              <a:rPr lang="fr-FR" smtClean="0"/>
+              <a:rPr lang="fr-FR"/>
               <a:t>Cliquez pour modifier les styles du texte du masque</a:t>
             </a:r>
           </a:p>
@@ -1802,38 +1791,37 @@
           <a:p>
             <a:pPr lvl="0"/>
             <a:r>
-              <a:rPr lang="fr-FR" smtClean="0"/>
+              <a:rPr lang="fr-FR"/>
               <a:t>Cliquez pour modifier les styles du texte du masque</a:t>
             </a:r>
           </a:p>
           <a:p>
             <a:pPr lvl="1"/>
             <a:r>
-              <a:rPr lang="fr-FR" smtClean="0"/>
+              <a:rPr lang="fr-FR"/>
               <a:t>Deuxième niveau</a:t>
             </a:r>
           </a:p>
           <a:p>
             <a:pPr lvl="2"/>
             <a:r>
-              <a:rPr lang="fr-FR" smtClean="0"/>
+              <a:rPr lang="fr-FR"/>
               <a:t>Troisième niveau</a:t>
             </a:r>
           </a:p>
           <a:p>
             <a:pPr lvl="3"/>
             <a:r>
-              <a:rPr lang="fr-FR" smtClean="0"/>
+              <a:rPr lang="fr-FR"/>
               <a:t>Quatrième niveau</a:t>
             </a:r>
           </a:p>
           <a:p>
             <a:pPr lvl="4"/>
             <a:r>
-              <a:rPr lang="fr-FR" smtClean="0"/>
+              <a:rPr lang="fr-FR"/>
               <a:t>Cinquième niveau</a:t>
             </a:r>
-            <a:endParaRPr lang="fr-FR"/>
           </a:p>
         </p:txBody>
       </p:sp>
@@ -1883,10 +1871,9 @@
           <a:lstStyle/>
           <a:p>
             <a:r>
-              <a:rPr lang="fr-FR" smtClean="0"/>
+              <a:rPr lang="fr-FR"/>
               <a:t>Cliquez pour modifier le style du titre</a:t>
             </a:r>
-            <a:endParaRPr lang="fr-FR"/>
           </a:p>
         </p:txBody>
       </p:sp>
@@ -1975,10 +1962,9 @@
           </a:lstStyle>
           <a:p>
             <a:r>
-              <a:rPr lang="fr-FR" smtClean="0"/>
+              <a:rPr lang="fr-FR"/>
               <a:t>Cliquez pour modifier le style du titre</a:t>
             </a:r>
-            <a:endParaRPr lang="fr-FR"/>
           </a:p>
         </p:txBody>
       </p:sp>
@@ -2032,38 +2018,37 @@
           <a:p>
             <a:pPr lvl="0"/>
             <a:r>
-              <a:rPr lang="fr-FR" smtClean="0"/>
+              <a:rPr lang="fr-FR"/>
               <a:t>Cliquez pour modifier les styles du texte du masque</a:t>
             </a:r>
           </a:p>
           <a:p>
             <a:pPr lvl="1"/>
             <a:r>
-              <a:rPr lang="fr-FR" smtClean="0"/>
+              <a:rPr lang="fr-FR"/>
               <a:t>Deuxième niveau</a:t>
             </a:r>
           </a:p>
           <a:p>
             <a:pPr lvl="2"/>
             <a:r>
-              <a:rPr lang="fr-FR" smtClean="0"/>
+              <a:rPr lang="fr-FR"/>
               <a:t>Troisième niveau</a:t>
             </a:r>
           </a:p>
           <a:p>
             <a:pPr lvl="3"/>
             <a:r>
-              <a:rPr lang="fr-FR" smtClean="0"/>
+              <a:rPr lang="fr-FR"/>
               <a:t>Quatrième niveau</a:t>
             </a:r>
           </a:p>
           <a:p>
             <a:pPr lvl="4"/>
             <a:r>
-              <a:rPr lang="fr-FR" smtClean="0"/>
+              <a:rPr lang="fr-FR"/>
               <a:t>Cinquième niveau</a:t>
             </a:r>
-            <a:endParaRPr lang="fr-FR"/>
           </a:p>
         </p:txBody>
       </p:sp>
@@ -2126,7 +2111,7 @@
           <a:p>
             <a:pPr lvl="0"/>
             <a:r>
-              <a:rPr lang="fr-FR" smtClean="0"/>
+              <a:rPr lang="fr-FR"/>
               <a:t>Cliquez pour modifier les styles du texte du masque</a:t>
             </a:r>
           </a:p>
@@ -2187,10 +2172,9 @@
           </a:lstStyle>
           <a:p>
             <a:r>
-              <a:rPr lang="fr-FR" smtClean="0"/>
+              <a:rPr lang="fr-FR"/>
               <a:t>Cliquez pour modifier le style du titre</a:t>
             </a:r>
-            <a:endParaRPr lang="fr-FR"/>
           </a:p>
         </p:txBody>
       </p:sp>
@@ -2252,7 +2236,7 @@
           </a:lstStyle>
           <a:p>
             <a:pPr lvl="0"/>
-            <a:endParaRPr lang="fr-FR" noProof="0" smtClean="0"/>
+            <a:endParaRPr lang="fr-FR" noProof="0"/>
           </a:p>
         </p:txBody>
       </p:sp>
@@ -2315,7 +2299,7 @@
           <a:p>
             <a:pPr lvl="0"/>
             <a:r>
-              <a:rPr lang="fr-FR" smtClean="0"/>
+              <a:rPr lang="fr-FR"/>
               <a:t>Cliquez pour modifier les styles du texte du masque</a:t>
             </a:r>
           </a:p>
@@ -2367,10 +2351,9 @@
           <a:lstStyle/>
           <a:p>
             <a:r>
-              <a:rPr lang="fr-FR" smtClean="0"/>
+              <a:rPr lang="fr-FR"/>
               <a:t>Cliquez pour modifier le style du titre</a:t>
             </a:r>
-            <a:endParaRPr lang="fr-FR"/>
           </a:p>
         </p:txBody>
       </p:sp>
@@ -2391,38 +2374,37 @@
           <a:p>
             <a:pPr lvl="0"/>
             <a:r>
-              <a:rPr lang="fr-FR" smtClean="0"/>
+              <a:rPr lang="fr-FR"/>
               <a:t>Cliquez pour modifier les styles du texte du masque</a:t>
             </a:r>
           </a:p>
           <a:p>
             <a:pPr lvl="1"/>
             <a:r>
-              <a:rPr lang="fr-FR" smtClean="0"/>
+              <a:rPr lang="fr-FR"/>
               <a:t>Deuxième niveau</a:t>
             </a:r>
           </a:p>
           <a:p>
             <a:pPr lvl="2"/>
             <a:r>
-              <a:rPr lang="fr-FR" smtClean="0"/>
+              <a:rPr lang="fr-FR"/>
               <a:t>Troisième niveau</a:t>
             </a:r>
           </a:p>
           <a:p>
             <a:pPr lvl="3"/>
             <a:r>
-              <a:rPr lang="fr-FR" smtClean="0"/>
+              <a:rPr lang="fr-FR"/>
               <a:t>Quatrième niveau</a:t>
             </a:r>
           </a:p>
           <a:p>
             <a:pPr lvl="4"/>
             <a:r>
-              <a:rPr lang="fr-FR" smtClean="0"/>
+              <a:rPr lang="fr-FR"/>
               <a:t>Cinquième niveau</a:t>
             </a:r>
-            <a:endParaRPr lang="fr-FR"/>
           </a:p>
         </p:txBody>
       </p:sp>
@@ -2603,7 +2585,7 @@
             <a:pPr eaLnBrk="1" hangingPunct="1">
               <a:defRPr/>
             </a:pPr>
-            <a:endParaRPr lang="fr-FR" altLang="fr-FR" smtClean="0"/>
+            <a:endParaRPr lang="fr-FR" altLang="fr-FR"/>
           </a:p>
         </p:txBody>
       </p:sp>
@@ -2757,7 +2739,7 @@
               <a:defRPr/>
             </a:pPr>
             <a:r>
-              <a:rPr lang="fr-FR" sz="1200" dirty="0" smtClean="0"/>
+              <a:rPr lang="fr-FR" sz="1200" dirty="0"/>
               <a:t>Page </a:t>
             </a:r>
             <a:fld id="{E218E9B1-FD08-4C80-902E-210BA2967D0D}" type="slidenum">
@@ -2770,7 +2752,7 @@
               </a:pPr>
               <a:t>‹N°›</a:t>
             </a:fld>
-            <a:endParaRPr lang="fr-FR" dirty="0" smtClean="0">
+            <a:endParaRPr lang="fr-FR" dirty="0">
               <a:latin typeface="Times New Roman" pitchFamily="18" charset="0"/>
             </a:endParaRPr>
           </a:p>
@@ -2926,10 +2908,10 @@
               <a:defRPr/>
             </a:pPr>
             <a:r>
-              <a:rPr lang="fr-FR" sz="1600" dirty="0" smtClean="0"/>
+              <a:rPr lang="fr-FR" sz="1600" dirty="0"/>
               <a:t>R</a:t>
             </a:r>
-            <a:endParaRPr lang="fr-FR" dirty="0" smtClean="0">
+            <a:endParaRPr lang="fr-FR" dirty="0">
               <a:latin typeface="Times New Roman" pitchFamily="18" charset="0"/>
             </a:endParaRPr>
           </a:p>
@@ -2987,7 +2969,7 @@
           <a:p>
             <a:pPr lvl="0"/>
             <a:r>
-              <a:rPr lang="fr-FR" altLang="fr-FR" smtClean="0"/>
+              <a:rPr lang="fr-FR" altLang="fr-FR"/>
               <a:t>Cliquez pour modifier le style du titre du masque</a:t>
             </a:r>
           </a:p>
@@ -3045,35 +3027,35 @@
           <a:p>
             <a:pPr lvl="0"/>
             <a:r>
-              <a:rPr lang="fr-FR" altLang="fr-FR" smtClean="0"/>
+              <a:rPr lang="fr-FR" altLang="fr-FR"/>
               <a:t>Cliquez pour modifier les styles du texte du masque</a:t>
             </a:r>
           </a:p>
           <a:p>
             <a:pPr lvl="1"/>
             <a:r>
-              <a:rPr lang="fr-FR" altLang="fr-FR" smtClean="0"/>
+              <a:rPr lang="fr-FR" altLang="fr-FR"/>
               <a:t>Deuxième niveau</a:t>
             </a:r>
           </a:p>
           <a:p>
             <a:pPr lvl="2"/>
             <a:r>
-              <a:rPr lang="fr-FR" altLang="fr-FR" smtClean="0"/>
+              <a:rPr lang="fr-FR" altLang="fr-FR"/>
               <a:t>Troisième niveau</a:t>
             </a:r>
           </a:p>
           <a:p>
             <a:pPr lvl="3"/>
             <a:r>
-              <a:rPr lang="fr-FR" altLang="fr-FR" smtClean="0"/>
+              <a:rPr lang="fr-FR" altLang="fr-FR"/>
               <a:t>Quatrième niveau</a:t>
             </a:r>
           </a:p>
           <a:p>
             <a:pPr lvl="4"/>
             <a:r>
-              <a:rPr lang="fr-FR" altLang="fr-FR" smtClean="0"/>
+              <a:rPr lang="fr-FR" altLang="fr-FR"/>
               <a:t>Cinquième niveau</a:t>
             </a:r>
           </a:p>
@@ -3229,10 +3211,10 @@
               <a:defRPr/>
             </a:pPr>
             <a:r>
-              <a:rPr lang="fr-FR" sz="1200" smtClean="0"/>
+              <a:rPr lang="fr-FR" sz="1200"/>
               <a:t>© Cyril Vincent Conseil</a:t>
             </a:r>
-            <a:endParaRPr lang="fr-FR" smtClean="0">
+            <a:endParaRPr lang="fr-FR">
               <a:latin typeface="Times New Roman" pitchFamily="18" charset="0"/>
             </a:endParaRPr>
           </a:p>
@@ -3714,26 +3696,21 @@
           <a:p>
             <a:pPr eaLnBrk="1" hangingPunct="1"/>
             <a:r>
-              <a:rPr lang="fr-FR" altLang="fr-FR" dirty="0" smtClean="0"/>
-              <a:t>Chapitre </a:t>
-            </a:r>
-            <a:r>
               <a:rPr lang="fr-FR" altLang="fr-FR" dirty="0"/>
-              <a:t>4</a:t>
-            </a:r>
-            <a:endParaRPr lang="fr-FR" altLang="fr-FR" dirty="0" smtClean="0"/>
+              <a:t>Chapitre 4</a:t>
+            </a:r>
           </a:p>
           <a:p>
             <a:pPr eaLnBrk="1" hangingPunct="1"/>
             <a:r>
-              <a:rPr lang="fr-FR" altLang="fr-FR" dirty="0" smtClean="0"/>
+              <a:rPr lang="fr-FR" altLang="fr-FR" dirty="0"/>
               <a:t>Vecteurs</a:t>
             </a:r>
           </a:p>
           <a:p>
             <a:pPr eaLnBrk="1" hangingPunct="1"/>
             <a:r>
-              <a:rPr lang="fr-FR" altLang="fr-FR" dirty="0" smtClean="0"/>
+              <a:rPr lang="fr-FR" altLang="fr-FR" dirty="0"/>
               <a:t>www.CyrilVincent.com</a:t>
             </a:r>
           </a:p>
@@ -3785,13 +3762,6 @@
   <p:clrMapOvr>
     <a:masterClrMapping/>
   </p:clrMapOvr>
-  <p:timing>
-    <p:tnLst>
-      <p:par>
-        <p:cTn id="1" dur="indefinite" restart="never" nodeType="tmRoot"/>
-      </p:par>
-    </p:tnLst>
-  </p:timing>
 </p:sld>
 </file>
 
@@ -3828,10 +3798,9 @@
           <a:lstStyle/>
           <a:p>
             <a:r>
-              <a:rPr lang="fr-FR" dirty="0" smtClean="0"/>
+              <a:rPr lang="fr-FR" dirty="0"/>
               <a:t>Concaténation de vecteurs</a:t>
             </a:r>
-            <a:endParaRPr lang="fr-FR" dirty="0"/>
           </a:p>
         </p:txBody>
       </p:sp>
@@ -3851,7 +3820,7 @@
           <a:lstStyle/>
           <a:p>
             <a:r>
-              <a:rPr lang="fr-FR" dirty="0" smtClean="0"/>
+              <a:rPr lang="fr-FR" dirty="0"/>
               <a:t>La fonction c() permet de concaténer des vecteurs</a:t>
             </a:r>
           </a:p>
@@ -3859,20 +3828,19 @@
             <a:endParaRPr lang="fr-FR" dirty="0"/>
           </a:p>
           <a:p>
-            <a:endParaRPr lang="fr-FR" dirty="0" smtClean="0"/>
-          </a:p>
-          <a:p>
             <a:endParaRPr lang="fr-FR" dirty="0"/>
           </a:p>
           <a:p>
-            <a:endParaRPr lang="fr-FR" dirty="0" smtClean="0"/>
-          </a:p>
-          <a:p>
-            <a:r>
-              <a:rPr lang="fr-FR" dirty="0" smtClean="0"/>
+            <a:endParaRPr lang="fr-FR" dirty="0"/>
+          </a:p>
+          <a:p>
+            <a:endParaRPr lang="fr-FR" dirty="0"/>
+          </a:p>
+          <a:p>
+            <a:r>
+              <a:rPr lang="fr-FR" dirty="0"/>
               <a:t>c() peut prendre un nombre infini de vecteur à concaténer</a:t>
             </a:r>
-            <a:endParaRPr lang="fr-FR" dirty="0"/>
           </a:p>
         </p:txBody>
       </p:sp>
@@ -3910,13 +3878,6 @@
   <p:clrMapOvr>
     <a:masterClrMapping/>
   </p:clrMapOvr>
-  <p:timing>
-    <p:tnLst>
-      <p:par>
-        <p:cTn id="1" dur="indefinite" restart="never" nodeType="tmRoot"/>
-      </p:par>
-    </p:tnLst>
-  </p:timing>
 </p:sld>
 </file>
 
@@ -3953,10 +3914,9 @@
           <a:lstStyle/>
           <a:p>
             <a:r>
-              <a:rPr lang="fr-FR" dirty="0" smtClean="0"/>
+              <a:rPr lang="fr-FR" dirty="0"/>
               <a:t>c()</a:t>
             </a:r>
-            <a:endParaRPr lang="fr-FR" dirty="0"/>
           </a:p>
         </p:txBody>
       </p:sp>
@@ -3976,20 +3936,20 @@
           <a:lstStyle/>
           <a:p>
             <a:r>
-              <a:rPr lang="fr-FR" dirty="0" smtClean="0"/>
+              <a:rPr lang="fr-FR" dirty="0"/>
               <a:t>L'utilisation de c() a été détourné par R pour créer des vecteurs sur mesure</a:t>
             </a:r>
           </a:p>
           <a:p>
             <a:pPr lvl="1"/>
             <a:r>
-              <a:rPr lang="fr-FR" dirty="0" smtClean="0"/>
+              <a:rPr lang="fr-FR" dirty="0"/>
               <a:t>Utilise le fait qu'un nombre R est en fait un vecteur de taille 1</a:t>
             </a:r>
           </a:p>
           <a:p>
             <a:r>
-              <a:rPr lang="fr-FR" dirty="0" smtClean="0"/>
+              <a:rPr lang="fr-FR" dirty="0"/>
               <a:t>Exemple</a:t>
             </a:r>
           </a:p>
@@ -3997,19 +3957,7 @@
             <a:pPr lvl="1"/>
             <a:r>
               <a:rPr lang="fr-FR" dirty="0"/>
-              <a:t>c(1,2,3</a:t>
-            </a:r>
-            <a:r>
-              <a:rPr lang="fr-FR" dirty="0" smtClean="0"/>
-              <a:t>) # donne 1</a:t>
-            </a:r>
-            <a:r>
-              <a:rPr lang="fr-FR" dirty="0"/>
-              <a:t> 2 </a:t>
-            </a:r>
-            <a:r>
-              <a:rPr lang="fr-FR" dirty="0" smtClean="0"/>
-              <a:t>3</a:t>
+              <a:t>c(1,2,3) # donne 1 2 3</a:t>
             </a:r>
           </a:p>
           <a:p>
@@ -4018,7 +3966,6 @@
               <a:rPr lang="fr-FR" dirty="0"/>
               <a:t>poids &lt;- c(77, 58, 66, 82)</a:t>
             </a:r>
-            <a:endParaRPr lang="fr-FR" dirty="0" smtClean="0"/>
           </a:p>
           <a:p>
             <a:endParaRPr lang="fr-FR" dirty="0"/>
@@ -4035,13 +3982,6 @@
   <p:clrMapOvr>
     <a:masterClrMapping/>
   </p:clrMapOvr>
-  <p:timing>
-    <p:tnLst>
-      <p:par>
-        <p:cTn id="1" dur="indefinite" restart="never" nodeType="tmRoot"/>
-      </p:par>
-    </p:tnLst>
-  </p:timing>
 </p:sld>
 </file>
 
@@ -4078,10 +4018,9 @@
           <a:lstStyle/>
           <a:p>
             <a:r>
-              <a:rPr lang="fr-FR" dirty="0" smtClean="0"/>
+              <a:rPr lang="fr-FR" dirty="0"/>
               <a:t>Indexation</a:t>
             </a:r>
-            <a:endParaRPr lang="fr-FR" dirty="0"/>
           </a:p>
         </p:txBody>
       </p:sp>
@@ -4101,33 +4040,33 @@
           <a:lstStyle/>
           <a:p>
             <a:r>
-              <a:rPr lang="fr-FR" dirty="0" smtClean="0"/>
+              <a:rPr lang="fr-FR" dirty="0"/>
               <a:t>Un vecteur se comporte comme un tableau C ou une liste Python dont les indexes commencent à 1</a:t>
             </a:r>
           </a:p>
           <a:p>
             <a:r>
-              <a:rPr lang="fr-FR" dirty="0" smtClean="0"/>
+              <a:rPr lang="fr-FR" dirty="0"/>
               <a:t>L'opérateur d'indexation est identique à C et Python</a:t>
             </a:r>
           </a:p>
           <a:p>
             <a:pPr lvl="1"/>
             <a:r>
-              <a:rPr lang="fr-FR" dirty="0" smtClean="0"/>
+              <a:rPr lang="fr-FR" dirty="0"/>
               <a:t>[]</a:t>
             </a:r>
           </a:p>
           <a:p>
             <a:pPr lvl="1"/>
             <a:r>
-              <a:rPr lang="fr-FR" dirty="0" smtClean="0"/>
+              <a:rPr lang="fr-FR" dirty="0"/>
               <a:t>/!\ Commence à 1</a:t>
             </a:r>
           </a:p>
           <a:p>
             <a:r>
-              <a:rPr lang="fr-FR" dirty="0" smtClean="0"/>
+              <a:rPr lang="fr-FR" dirty="0"/>
               <a:t>Exemple</a:t>
             </a:r>
           </a:p>
@@ -4141,20 +4080,20 @@
           <a:p>
             <a:pPr lvl="1"/>
             <a:r>
-              <a:rPr lang="fr-FR" dirty="0" smtClean="0"/>
+              <a:rPr lang="fr-FR" dirty="0"/>
               <a:t>poids[1] # 77</a:t>
             </a:r>
           </a:p>
           <a:p>
             <a:pPr lvl="1"/>
             <a:r>
-              <a:rPr lang="fr-FR" dirty="0" smtClean="0"/>
+              <a:rPr lang="fr-FR" dirty="0"/>
               <a:t>poids[3] # 66</a:t>
             </a:r>
           </a:p>
           <a:p>
             <a:pPr lvl="1"/>
-            <a:endParaRPr lang="fr-FR" dirty="0" smtClean="0"/>
+            <a:endParaRPr lang="fr-FR" dirty="0"/>
           </a:p>
           <a:p>
             <a:endParaRPr lang="fr-FR" dirty="0"/>
@@ -4171,13 +4110,6 @@
   <p:clrMapOvr>
     <a:masterClrMapping/>
   </p:clrMapOvr>
-  <p:timing>
-    <p:tnLst>
-      <p:par>
-        <p:cTn id="1" dur="indefinite" restart="never" nodeType="tmRoot"/>
-      </p:par>
-    </p:tnLst>
-  </p:timing>
 </p:sld>
 </file>
 
@@ -4214,10 +4146,9 @@
           <a:lstStyle/>
           <a:p>
             <a:r>
-              <a:rPr lang="fr-FR" dirty="0" smtClean="0"/>
+              <a:rPr lang="fr-FR" dirty="0"/>
               <a:t>Indexation complexe</a:t>
             </a:r>
-            <a:endParaRPr lang="fr-FR" dirty="0"/>
           </a:p>
         </p:txBody>
       </p:sp>
@@ -4237,8 +4168,8 @@
           <a:lstStyle/>
           <a:p>
             <a:r>
-              <a:rPr lang="fr-FR" dirty="0" smtClean="0"/>
-              <a:t>Comme en Python il est possible d'extraire des range de valeur</a:t>
+              <a:rPr lang="fr-FR" dirty="0"/>
+              <a:t>Comme en Python il est possible d'extraire des ranges de valeur</a:t>
             </a:r>
           </a:p>
           <a:p>
@@ -4281,12 +4212,8 @@
               <a:buNone/>
             </a:pPr>
             <a:r>
-              <a:rPr lang="fr-FR" sz="1600" dirty="0" smtClean="0"/>
-              <a:t>&gt;</a:t>
-            </a:r>
-            <a:r>
               <a:rPr lang="fr-FR" sz="1600" dirty="0"/>
-              <a:t> </a:t>
+              <a:t>&gt; </a:t>
             </a:r>
             <a:r>
               <a:rPr lang="fr-FR" sz="1600" dirty="0" err="1"/>
@@ -4313,7 +4240,6 @@
               <a:rPr lang="fr-FR" sz="1600" dirty="0"/>
               <a:t>"  </a:t>
             </a:r>
-            <a:endParaRPr lang="fr-FR" sz="1600" dirty="0" smtClean="0"/>
           </a:p>
           <a:p>
             <a:pPr marL="457200" lvl="1" indent="0">
@@ -4378,20 +4304,8 @@
               <a:buNone/>
             </a:pPr>
             <a:r>
-              <a:rPr lang="fr-FR" sz="1600" dirty="0" smtClean="0"/>
-              <a:t>&gt;</a:t>
-            </a:r>
-            <a:r>
               <a:rPr lang="fr-FR" sz="1600" dirty="0"/>
-              <a:t> # Cette syntaxe </a:t>
-            </a:r>
-            <a:r>
-              <a:rPr lang="fr-FR" sz="1600" dirty="0" smtClean="0"/>
-              <a:t>permet</a:t>
-            </a:r>
-            <a:r>
-              <a:rPr lang="fr-FR" sz="1600" dirty="0"/>
-              <a:t> de sélectionner tous les éléments sauf les 3 premiers</a:t>
+              <a:t>&gt; # Cette syntaxe permet de sélectionner tous les éléments sauf les 3 premiers</a:t>
             </a:r>
           </a:p>
           <a:p>
@@ -4440,13 +4354,6 @@
   <p:clrMapOvr>
     <a:masterClrMapping/>
   </p:clrMapOvr>
-  <p:timing>
-    <p:tnLst>
-      <p:par>
-        <p:cTn id="1" dur="indefinite" restart="never" nodeType="tmRoot"/>
-      </p:par>
-    </p:tnLst>
-  </p:timing>
 </p:sld>
 </file>
 
@@ -4483,10 +4390,9 @@
           <a:lstStyle/>
           <a:p>
             <a:r>
-              <a:rPr lang="fr-FR" dirty="0" smtClean="0"/>
+              <a:rPr lang="fr-FR" dirty="0"/>
               <a:t>Indexation par filtrage</a:t>
             </a:r>
-            <a:endParaRPr lang="fr-FR" dirty="0"/>
           </a:p>
         </p:txBody>
       </p:sp>
@@ -4506,20 +4412,20 @@
           <a:lstStyle/>
           <a:p>
             <a:r>
-              <a:rPr lang="fr-FR" dirty="0" smtClean="0"/>
-              <a:t>Il est possible d'indexer les vecteur par filtrage booléen</a:t>
+              <a:rPr lang="fr-FR" dirty="0"/>
+              <a:t>Il est possible d'indexer les vecteurs par filtrage booléen</a:t>
             </a:r>
           </a:p>
           <a:p>
             <a:pPr lvl="1"/>
             <a:r>
-              <a:rPr lang="fr-FR" dirty="0" smtClean="0"/>
+              <a:rPr lang="fr-FR" dirty="0"/>
               <a:t>Très utile</a:t>
             </a:r>
           </a:p>
           <a:p>
             <a:r>
-              <a:rPr lang="fr-FR" dirty="0" smtClean="0"/>
+              <a:rPr lang="fr-FR" dirty="0"/>
               <a:t>Exemple</a:t>
             </a:r>
           </a:p>
@@ -4528,24 +4434,12 @@
               <a:buNone/>
             </a:pPr>
             <a:r>
-              <a:rPr lang="fr-FR" dirty="0" err="1" smtClean="0"/>
+              <a:rPr lang="fr-FR" dirty="0" err="1"/>
               <a:t>prenoms</a:t>
             </a:r>
             <a:r>
-              <a:rPr lang="fr-FR" dirty="0" smtClean="0"/>
-              <a:t>[c(TRUE, TRUE, TRUE,</a:t>
-            </a:r>
-            <a:r>
-              <a:rPr lang="fr-FR" dirty="0"/>
-              <a:t> </a:t>
-            </a:r>
-            <a:r>
-              <a:rPr lang="fr-FR" dirty="0" smtClean="0"/>
-              <a:t>FALSE, FALSE, FALSE, FALSE,</a:t>
-            </a:r>
-            <a:r>
-              <a:rPr lang="fr-FR" dirty="0"/>
-              <a:t> TRUE)]</a:t>
+              <a:rPr lang="fr-FR" dirty="0"/>
+              <a:t>[c(TRUE, TRUE, TRUE, FALSE, FALSE, FALSE, FALSE, TRUE)]</a:t>
             </a:r>
           </a:p>
           <a:p>
@@ -4567,7 +4461,7 @@
           </a:p>
           <a:p>
             <a:r>
-              <a:rPr lang="fr-FR" dirty="0" smtClean="0"/>
+              <a:rPr lang="fr-FR" dirty="0"/>
               <a:t>Exemple identique plus succins</a:t>
             </a:r>
           </a:p>
@@ -4576,24 +4470,20 @@
               <a:buNone/>
             </a:pPr>
             <a:r>
-              <a:rPr lang="fr-FR" dirty="0" err="1" smtClean="0"/>
+              <a:rPr lang="fr-FR" dirty="0" err="1"/>
               <a:t>prenoms</a:t>
             </a:r>
             <a:r>
-              <a:rPr lang="fr-FR" dirty="0" smtClean="0"/>
+              <a:rPr lang="fr-FR" dirty="0"/>
               <a:t>[c(</a:t>
             </a:r>
             <a:r>
-              <a:rPr lang="fr-FR" dirty="0" err="1" smtClean="0"/>
+              <a:rPr lang="fr-FR" dirty="0" err="1"/>
               <a:t>rep</a:t>
             </a:r>
             <a:r>
-              <a:rPr lang="fr-FR" dirty="0" smtClean="0"/>
-              <a:t>(TRUE</a:t>
-            </a:r>
-            <a:r>
-              <a:rPr lang="fr-FR" dirty="0"/>
-              <a:t>, 3), </a:t>
+              <a:rPr lang="fr-FR" dirty="0"/>
+              <a:t>(TRUE, 3), </a:t>
             </a:r>
             <a:r>
               <a:rPr lang="fr-FR" dirty="0" err="1"/>
@@ -4633,13 +4523,6 @@
   <p:clrMapOvr>
     <a:masterClrMapping/>
   </p:clrMapOvr>
-  <p:timing>
-    <p:tnLst>
-      <p:par>
-        <p:cTn id="1" dur="indefinite" restart="never" nodeType="tmRoot"/>
-      </p:par>
-    </p:tnLst>
-  </p:timing>
 </p:sld>
 </file>
 
@@ -4676,11 +4559,11 @@
           <a:lstStyle/>
           <a:p>
             <a:r>
-              <a:rPr lang="fr-FR" dirty="0" smtClean="0"/>
+              <a:rPr lang="fr-FR" dirty="0"/>
               <a:t>Indexation par </a:t>
             </a:r>
             <a:r>
-              <a:rPr lang="fr-FR" dirty="0" err="1" smtClean="0"/>
+              <a:rPr lang="fr-FR" dirty="0" err="1"/>
               <a:t>map</a:t>
             </a:r>
             <a:endParaRPr lang="fr-FR" dirty="0"/>
@@ -4703,21 +4586,21 @@
           <a:lstStyle/>
           <a:p>
             <a:r>
-              <a:rPr lang="fr-FR" dirty="0" smtClean="0"/>
+              <a:rPr lang="fr-FR" dirty="0"/>
               <a:t>Il est possible d'affecter un opérateur à un vecteur</a:t>
             </a:r>
           </a:p>
           <a:p>
             <a:pPr lvl="1"/>
             <a:r>
-              <a:rPr lang="fr-FR" dirty="0" smtClean="0"/>
+              <a:rPr lang="fr-FR" dirty="0"/>
               <a:t>Opération de </a:t>
             </a:r>
             <a:r>
-              <a:rPr lang="fr-FR" dirty="0" err="1" smtClean="0"/>
+              <a:rPr lang="fr-FR" dirty="0" err="1"/>
               <a:t>map</a:t>
             </a:r>
-            <a:endParaRPr lang="fr-FR" dirty="0" smtClean="0"/>
+            <a:endParaRPr lang="fr-FR" dirty="0"/>
           </a:p>
           <a:p>
             <a:pPr lvl="1"/>
@@ -4725,7 +4608,7 @@
           </a:p>
           <a:p>
             <a:pPr lvl="1"/>
-            <a:endParaRPr lang="fr-FR" dirty="0" smtClean="0"/>
+            <a:endParaRPr lang="fr-FR" dirty="0"/>
           </a:p>
           <a:p>
             <a:pPr lvl="1"/>
@@ -4733,14 +4616,14 @@
           </a:p>
           <a:p>
             <a:r>
-              <a:rPr lang="fr-FR" dirty="0" smtClean="0"/>
+              <a:rPr lang="fr-FR" dirty="0"/>
               <a:t>Il est alors possible de combiner le filtre et le </a:t>
             </a:r>
             <a:r>
-              <a:rPr lang="fr-FR" dirty="0" err="1" smtClean="0"/>
+              <a:rPr lang="fr-FR" dirty="0" err="1"/>
               <a:t>map</a:t>
             </a:r>
-            <a:endParaRPr lang="fr-FR" dirty="0" smtClean="0"/>
+            <a:endParaRPr lang="fr-FR" dirty="0"/>
           </a:p>
           <a:p>
             <a:endParaRPr lang="fr-FR" dirty="0"/>
@@ -4805,13 +4688,6 @@
   <p:clrMapOvr>
     <a:masterClrMapping/>
   </p:clrMapOvr>
-  <p:timing>
-    <p:tnLst>
-      <p:par>
-        <p:cTn id="1" dur="indefinite" restart="never" nodeType="tmRoot"/>
-      </p:par>
-    </p:tnLst>
-  </p:timing>
 </p:sld>
 </file>
 
@@ -4848,10 +4724,9 @@
           <a:lstStyle/>
           <a:p>
             <a:r>
-              <a:rPr lang="fr-FR" dirty="0" smtClean="0"/>
+              <a:rPr lang="fr-FR" dirty="0"/>
               <a:t>Modifier les vecteurs</a:t>
             </a:r>
-            <a:endParaRPr lang="fr-FR" dirty="0"/>
           </a:p>
         </p:txBody>
       </p:sp>
@@ -4871,7 +4746,7 @@
           <a:lstStyle/>
           <a:p>
             <a:r>
-              <a:rPr lang="fr-FR" dirty="0" smtClean="0"/>
+              <a:rPr lang="fr-FR" dirty="0"/>
               <a:t>Il est possible de modifier un ou plusieurs éléments d'un vecteur</a:t>
             </a:r>
           </a:p>
@@ -4914,13 +4789,6 @@
   <p:clrMapOvr>
     <a:masterClrMapping/>
   </p:clrMapOvr>
-  <p:timing>
-    <p:tnLst>
-      <p:par>
-        <p:cTn id="1" dur="indefinite" restart="never" nodeType="tmRoot"/>
-      </p:par>
-    </p:tnLst>
-  </p:timing>
 </p:sld>
 </file>
 
@@ -4957,10 +4825,9 @@
           <a:lstStyle/>
           <a:p>
             <a:r>
-              <a:rPr lang="fr-FR" dirty="0" smtClean="0"/>
+              <a:rPr lang="fr-FR" dirty="0"/>
               <a:t>Vecteurs nommés</a:t>
             </a:r>
-            <a:endParaRPr lang="fr-FR" dirty="0"/>
           </a:p>
         </p:txBody>
       </p:sp>
@@ -4980,45 +4847,45 @@
           <a:lstStyle/>
           <a:p>
             <a:r>
-              <a:rPr lang="fr-FR" dirty="0" smtClean="0"/>
+              <a:rPr lang="fr-FR" dirty="0"/>
               <a:t>Les vecteurs indexés par des entiers peuvent être peu lisibles</a:t>
             </a:r>
           </a:p>
           <a:p>
             <a:r>
-              <a:rPr lang="fr-FR" dirty="0" smtClean="0"/>
+              <a:rPr lang="fr-FR" dirty="0"/>
               <a:t>Il est alors possible d'indexer un vecteur par une chaine appelée l'index ou la clé</a:t>
             </a:r>
           </a:p>
           <a:p>
             <a:pPr lvl="1"/>
             <a:r>
-              <a:rPr lang="fr-FR" dirty="0" smtClean="0"/>
+              <a:rPr lang="fr-FR" dirty="0"/>
               <a:t>Algorithme de hachage</a:t>
             </a:r>
           </a:p>
           <a:p>
             <a:pPr lvl="1"/>
             <a:r>
-              <a:rPr lang="fr-FR" dirty="0" err="1" smtClean="0"/>
+              <a:rPr lang="fr-FR" dirty="0" err="1"/>
               <a:t>Dictionnary</a:t>
             </a:r>
             <a:r>
-              <a:rPr lang="fr-FR" dirty="0" smtClean="0"/>
+              <a:rPr lang="fr-FR" dirty="0"/>
               <a:t> Python ou </a:t>
             </a:r>
             <a:r>
-              <a:rPr lang="fr-FR" dirty="0" err="1" smtClean="0"/>
+              <a:rPr lang="fr-FR" dirty="0" err="1"/>
               <a:t>Hashtable</a:t>
             </a:r>
             <a:r>
-              <a:rPr lang="fr-FR" dirty="0" smtClean="0"/>
+              <a:rPr lang="fr-FR" dirty="0"/>
               <a:t> Perl</a:t>
             </a:r>
           </a:p>
           <a:p>
             <a:r>
-              <a:rPr lang="en-US" dirty="0" smtClean="0"/>
+              <a:rPr lang="en-US" dirty="0"/>
               <a:t>names()</a:t>
             </a:r>
           </a:p>
@@ -5027,16 +4894,12 @@
               <a:buNone/>
             </a:pPr>
             <a:r>
-              <a:rPr lang="en-US" dirty="0" err="1" smtClean="0"/>
+              <a:rPr lang="en-US" dirty="0" err="1"/>
               <a:t>poids</a:t>
             </a:r>
             <a:r>
               <a:rPr lang="en-US" dirty="0"/>
-              <a:t> &lt;- c(77, 58, 66, 82</a:t>
-            </a:r>
-            <a:r>
-              <a:rPr lang="en-US" dirty="0" smtClean="0"/>
-              <a:t>)</a:t>
+              <a:t> &lt;- c(77, 58, 66, 82)</a:t>
             </a:r>
           </a:p>
           <a:p>
@@ -5053,11 +4916,7 @@
             </a:r>
             <a:r>
               <a:rPr lang="en-US" dirty="0"/>
-              <a:t>) &lt;- c("Marc", "Sophie", "Julie", "Blaise</a:t>
-            </a:r>
-            <a:r>
-              <a:rPr lang="en-US" dirty="0" smtClean="0"/>
-              <a:t>")</a:t>
+              <a:t>) &lt;- c("Marc", "Sophie", "Julie", "Blaise")</a:t>
             </a:r>
           </a:p>
           <a:p>
@@ -5090,13 +4949,6 @@
   <p:clrMapOvr>
     <a:masterClrMapping/>
   </p:clrMapOvr>
-  <p:timing>
-    <p:tnLst>
-      <p:par>
-        <p:cTn id="1" dur="indefinite" restart="never" nodeType="tmRoot"/>
-      </p:par>
-    </p:tnLst>
-  </p:timing>
 </p:sld>
 </file>
 
@@ -5133,10 +4985,9 @@
           <a:lstStyle/>
           <a:p>
             <a:r>
-              <a:rPr lang="fr-FR" dirty="0" smtClean="0"/>
+              <a:rPr lang="fr-FR" dirty="0"/>
               <a:t>Indexation par clé</a:t>
             </a:r>
-            <a:endParaRPr lang="fr-FR" dirty="0"/>
           </a:p>
         </p:txBody>
       </p:sp>
@@ -5156,10 +5007,9 @@
           <a:lstStyle/>
           <a:p>
             <a:r>
-              <a:rPr lang="fr-FR" dirty="0" smtClean="0"/>
+              <a:rPr lang="fr-FR" dirty="0"/>
               <a:t>Pour accéder aux vecteurs nommés il suffit de remplacé l'index entier par l'index nommé</a:t>
             </a:r>
-            <a:endParaRPr lang="fr-FR" dirty="0"/>
           </a:p>
         </p:txBody>
       </p:sp>
@@ -5233,10 +5083,9 @@
           <a:lstStyle/>
           <a:p>
             <a:r>
-              <a:rPr lang="fr-FR" dirty="0" smtClean="0"/>
-              <a:t>Opération sur le vecteurs</a:t>
-            </a:r>
-            <a:endParaRPr lang="fr-FR" dirty="0"/>
+              <a:rPr lang="fr-FR" dirty="0"/>
+              <a:t>Opération sur les vecteurs</a:t>
+            </a:r>
           </a:p>
         </p:txBody>
       </p:sp>
@@ -5256,29 +5105,28 @@
           <a:lstStyle/>
           <a:p>
             <a:r>
-              <a:rPr lang="fr-FR" dirty="0" smtClean="0"/>
+              <a:rPr lang="fr-FR" dirty="0"/>
               <a:t>Les opérations arithmétiques peuvent s'effectuer sur les vecteurs</a:t>
             </a:r>
           </a:p>
           <a:p>
             <a:pPr lvl="1"/>
             <a:r>
-              <a:rPr lang="fr-FR" dirty="0" smtClean="0"/>
+              <a:rPr lang="fr-FR" dirty="0"/>
               <a:t>Concept de </a:t>
             </a:r>
             <a:r>
-              <a:rPr lang="fr-FR" dirty="0" err="1" smtClean="0"/>
+              <a:rPr lang="fr-FR" dirty="0" err="1"/>
               <a:t>map</a:t>
             </a:r>
-            <a:endParaRPr lang="fr-FR" dirty="0" smtClean="0"/>
+            <a:endParaRPr lang="fr-FR" dirty="0"/>
           </a:p>
           <a:p>
             <a:pPr lvl="1"/>
             <a:r>
-              <a:rPr lang="fr-FR" dirty="0" smtClean="0"/>
+              <a:rPr lang="fr-FR" dirty="0"/>
               <a:t>Exemple </a:t>
             </a:r>
-            <a:endParaRPr lang="fr-FR" dirty="0"/>
           </a:p>
         </p:txBody>
       </p:sp>
@@ -5376,10 +5224,9 @@
           <a:lstStyle/>
           <a:p>
             <a:r>
-              <a:rPr lang="fr-FR" dirty="0" smtClean="0"/>
+              <a:rPr lang="fr-FR" dirty="0"/>
               <a:t>Structures complexes</a:t>
             </a:r>
-            <a:endParaRPr lang="fr-FR" dirty="0"/>
           </a:p>
         </p:txBody>
       </p:sp>
@@ -5399,64 +5246,63 @@
           <a:lstStyle/>
           <a:p>
             <a:r>
-              <a:rPr lang="fr-FR" dirty="0" smtClean="0"/>
+              <a:rPr lang="fr-FR" dirty="0"/>
               <a:t>R possède des types complexes pour traiter des séries de valeurs</a:t>
             </a:r>
           </a:p>
           <a:p>
             <a:pPr lvl="1"/>
             <a:r>
-              <a:rPr lang="fr-FR" dirty="0" smtClean="0"/>
+              <a:rPr lang="fr-FR" dirty="0"/>
               <a:t>Les vecteurs</a:t>
             </a:r>
           </a:p>
           <a:p>
             <a:pPr lvl="1"/>
             <a:r>
-              <a:rPr lang="fr-FR" dirty="0" smtClean="0"/>
+              <a:rPr lang="fr-FR" dirty="0"/>
               <a:t>Les listes</a:t>
             </a:r>
           </a:p>
           <a:p>
             <a:pPr lvl="1"/>
             <a:r>
-              <a:rPr lang="fr-FR" dirty="0" smtClean="0"/>
+              <a:rPr lang="fr-FR" dirty="0"/>
               <a:t>les </a:t>
             </a:r>
             <a:r>
-              <a:rPr lang="fr-FR" dirty="0" err="1" smtClean="0"/>
+              <a:rPr lang="fr-FR" dirty="0" err="1"/>
               <a:t>dataframes</a:t>
             </a:r>
-            <a:endParaRPr lang="fr-FR" dirty="0" smtClean="0"/>
+            <a:endParaRPr lang="fr-FR" dirty="0"/>
           </a:p>
           <a:p>
             <a:pPr lvl="1"/>
             <a:r>
-              <a:rPr lang="fr-FR" dirty="0" smtClean="0"/>
+              <a:rPr lang="fr-FR" dirty="0"/>
               <a:t>les facteurs</a:t>
             </a:r>
           </a:p>
           <a:p>
             <a:pPr lvl="1"/>
             <a:r>
-              <a:rPr lang="fr-FR" dirty="0" smtClean="0"/>
+              <a:rPr lang="fr-FR" dirty="0"/>
               <a:t>les objets R3</a:t>
             </a:r>
           </a:p>
           <a:p>
             <a:pPr lvl="1"/>
             <a:r>
-              <a:rPr lang="fr-FR" dirty="0" smtClean="0"/>
+              <a:rPr lang="fr-FR" dirty="0"/>
               <a:t>les matrices</a:t>
             </a:r>
           </a:p>
           <a:p>
             <a:pPr lvl="1"/>
             <a:r>
-              <a:rPr lang="fr-FR" dirty="0" smtClean="0"/>
+              <a:rPr lang="fr-FR" dirty="0"/>
               <a:t>…</a:t>
             </a:r>
-            <a:endParaRPr lang="fr-FR" dirty="0"/>
           </a:p>
         </p:txBody>
       </p:sp>
@@ -5470,13 +5316,6 @@
   <p:clrMapOvr>
     <a:masterClrMapping/>
   </p:clrMapOvr>
-  <p:timing>
-    <p:tnLst>
-      <p:par>
-        <p:cTn id="1" dur="indefinite" restart="never" nodeType="tmRoot"/>
-      </p:par>
-    </p:tnLst>
-  </p:timing>
 </p:sld>
 </file>
 
@@ -5513,10 +5352,9 @@
           <a:lstStyle/>
           <a:p>
             <a:r>
-              <a:rPr lang="fr-FR" dirty="0" smtClean="0"/>
+              <a:rPr lang="fr-FR" dirty="0"/>
               <a:t>Recyclage</a:t>
             </a:r>
-            <a:endParaRPr lang="fr-FR" dirty="0"/>
           </a:p>
         </p:txBody>
       </p:sp>
@@ -5536,14 +5374,14 @@
           <a:lstStyle/>
           <a:p>
             <a:r>
-              <a:rPr lang="fr-FR" sz="2400" dirty="0" smtClean="0"/>
+              <a:rPr lang="fr-FR" sz="2400" dirty="0"/>
               <a:t>L'exemple précédent est plus complexe qu'il n'y parait</a:t>
             </a:r>
           </a:p>
           <a:p>
             <a:pPr lvl="1"/>
             <a:r>
-              <a:rPr lang="fr-FR" sz="2000" dirty="0" smtClean="0"/>
+              <a:rPr lang="fr-FR" sz="2000" dirty="0"/>
               <a:t>L'opérateur + nécessite 2 vecteurs de taille identique</a:t>
             </a:r>
           </a:p>
@@ -5553,67 +5391,33 @@
               <a:rPr lang="fr-FR" sz="2000" dirty="0"/>
               <a:t>Pour cela, il faudrait théoriquement créer un vecteur aussi long que le vecteur poids et contenant la valeur 1 </a:t>
             </a:r>
-            <a:endParaRPr lang="fr-FR" sz="2000" dirty="0" smtClean="0"/>
           </a:p>
           <a:p>
             <a:pPr lvl="1"/>
             <a:r>
-              <a:rPr lang="fr-FR" sz="2000" dirty="0" smtClean="0"/>
-              <a:t>Cela </a:t>
-            </a:r>
-            <a:r>
               <a:rPr lang="fr-FR" sz="2000" dirty="0"/>
-              <a:t>marche effectivement mais il y a une solution plus simple qui fait appel à une fonctionnalité de R qui s'appelle le </a:t>
-            </a:r>
-            <a:r>
-              <a:rPr lang="fr-FR" sz="2000" dirty="0" smtClean="0"/>
-              <a:t>recyclage</a:t>
-            </a:r>
-            <a:endParaRPr lang="fr-FR" sz="2000" dirty="0"/>
+              <a:t>Cela marche effectivement mais il y a une solution plus simple qui fait appel à une fonctionnalité de R qui s'appelle le recyclage</a:t>
+            </a:r>
           </a:p>
           <a:p>
             <a:pPr lvl="1"/>
             <a:r>
               <a:rPr lang="fr-FR" sz="2000" dirty="0"/>
-              <a:t>Si l'on souhaite faire une opération </a:t>
-            </a:r>
-            <a:r>
-              <a:rPr lang="fr-FR" sz="2000" dirty="0" smtClean="0"/>
-              <a:t>entre </a:t>
-            </a:r>
+              <a:t>Si l'on souhaite faire une opération entre deux vecteurs, il est alors possible d'utiliser deux vecteurs de longueur différente</a:t>
+            </a:r>
+          </a:p>
+          <a:p>
+            <a:pPr lvl="1"/>
             <a:r>
               <a:rPr lang="fr-FR" sz="2000" dirty="0"/>
-              <a:t>deux vecteurs, il est alors possible d'utiliser deux vecteurs de longueur </a:t>
-            </a:r>
-            <a:r>
-              <a:rPr lang="fr-FR" sz="2000" dirty="0" smtClean="0"/>
-              <a:t>différente</a:t>
+              <a:t>R procèdera alors de la manière suivante: il gardera le vecteur le plus long pour y effectuer l'opération et, à partir du vecteur plus court, il créera un vecteur aussi long que le premier en y répétant (recyclant) les éléments déjà existants autant de fois que nécessaire pour obtenir un vecteur aussi long que le premier</a:t>
             </a:r>
           </a:p>
           <a:p>
             <a:pPr lvl="1"/>
             <a:r>
-              <a:rPr lang="fr-FR" sz="2000" dirty="0" smtClean="0"/>
-              <a:t>R </a:t>
-            </a:r>
-            <a:r>
               <a:rPr lang="fr-FR" sz="2000" dirty="0"/>
-              <a:t>procèdera alors de la manière suivante: il gardera le vecteur le plus long pour y effectuer l'opération et, à partir du vecteur plus court, il créera un vecteur aussi long que le premier en y répétant (recyclant) les éléments déjà existants autant de fois que nécessaire pour obtenir un vecteur aussi long que le </a:t>
-            </a:r>
-            <a:r>
-              <a:rPr lang="fr-FR" sz="2000" dirty="0" smtClean="0"/>
-              <a:t>premier</a:t>
-            </a:r>
-          </a:p>
-          <a:p>
-            <a:pPr lvl="1"/>
-            <a:r>
-              <a:rPr lang="fr-FR" sz="2000" dirty="0" smtClean="0"/>
-              <a:t>R </a:t>
-            </a:r>
-            <a:r>
-              <a:rPr lang="fr-FR" sz="2000" dirty="0"/>
-              <a:t>aura donc deux vecteurs de même longueur à sa disposition pour travailler.</a:t>
+              <a:t>R aura donc deux vecteurs de même longueur à sa disposition pour travailler.</a:t>
             </a:r>
           </a:p>
         </p:txBody>
@@ -5664,10 +5468,9 @@
           <a:lstStyle/>
           <a:p>
             <a:r>
-              <a:rPr lang="fr-FR" dirty="0" smtClean="0"/>
+              <a:rPr lang="fr-FR" dirty="0"/>
               <a:t>Recyclage</a:t>
             </a:r>
-            <a:endParaRPr lang="fr-FR" dirty="0"/>
           </a:p>
         </p:txBody>
       </p:sp>
@@ -5687,28 +5490,20 @@
           <a:lstStyle/>
           <a:p>
             <a:r>
-              <a:rPr lang="fr-FR" dirty="0" smtClean="0"/>
+              <a:rPr lang="fr-FR" dirty="0"/>
               <a:t>Il est alors possible d'additionner avec des valeurs différentes</a:t>
             </a:r>
           </a:p>
           <a:p>
             <a:r>
-              <a:rPr lang="fr-FR" dirty="0" smtClean="0"/>
+              <a:rPr lang="fr-FR" dirty="0"/>
               <a:t>Par exemple soustraire de 1 les indexes impaires et de 0 les pairs</a:t>
             </a:r>
           </a:p>
           <a:p>
             <a:r>
-              <a:rPr lang="fr-FR" dirty="0" smtClean="0"/>
-              <a:t>poids</a:t>
-            </a:r>
-            <a:r>
-              <a:rPr lang="fr-FR" dirty="0"/>
-              <a:t> &lt;- poids - c(1,0</a:t>
-            </a:r>
-            <a:r>
-              <a:rPr lang="fr-FR" dirty="0" smtClean="0"/>
-              <a:t>)</a:t>
+              <a:rPr lang="fr-FR" dirty="0"/>
+              <a:t>poids &lt;- poids - c(1,0)</a:t>
             </a:r>
           </a:p>
         </p:txBody>
@@ -5783,10 +5578,9 @@
           <a:lstStyle/>
           <a:p>
             <a:r>
-              <a:rPr lang="fr-FR" dirty="0" smtClean="0"/>
+              <a:rPr lang="fr-FR" dirty="0"/>
               <a:t>Warning</a:t>
             </a:r>
-            <a:endParaRPr lang="fr-FR" dirty="0"/>
           </a:p>
         </p:txBody>
       </p:sp>
@@ -5806,64 +5600,20 @@
           <a:lstStyle/>
           <a:p>
             <a:r>
-              <a:rPr lang="fr-FR" sz="2400" dirty="0" smtClean="0"/>
-              <a:t>R </a:t>
-            </a:r>
-            <a:r>
               <a:rPr lang="fr-FR" sz="2400" dirty="0"/>
-              <a:t>renvoie lors de cette opération un avertissement (warning en </a:t>
-            </a:r>
-            <a:r>
-              <a:rPr lang="fr-FR" sz="2400" dirty="0" smtClean="0"/>
-              <a:t>anglais)</a:t>
-            </a:r>
-          </a:p>
-          <a:p>
-            <a:r>
-              <a:rPr lang="fr-FR" sz="2400" dirty="0" smtClean="0"/>
-              <a:t>Un </a:t>
-            </a:r>
+              <a:t>R renvoie lors de cette opération un avertissement (warning en anglais)</a:t>
+            </a:r>
+          </a:p>
+          <a:p>
             <a:r>
               <a:rPr lang="fr-FR" sz="2400" dirty="0"/>
-              <a:t>avertissement n'empêche en rien </a:t>
-            </a:r>
-            <a:r>
-              <a:rPr lang="fr-FR" sz="2400" dirty="0" smtClean="0"/>
-              <a:t>l'</a:t>
-            </a:r>
+              <a:t>Un avertissement n'empêche en rien l'exécution du code. Un avertissement est seulement ici pour vous indiquer qu'une opération suspecte et pouvant être une erreur a été effectuée</a:t>
+            </a:r>
+          </a:p>
+          <a:p>
             <a:r>
               <a:rPr lang="fr-FR" sz="2400" dirty="0"/>
-              <a:t>e</a:t>
-            </a:r>
-            <a:r>
-              <a:rPr lang="fr-FR" sz="2400" dirty="0" smtClean="0"/>
-              <a:t>xécution </a:t>
-            </a:r>
-            <a:r>
-              <a:rPr lang="fr-FR" sz="2400" dirty="0"/>
-              <a:t>du </a:t>
-            </a:r>
-            <a:r>
-              <a:rPr lang="fr-FR" sz="2400" dirty="0" smtClean="0"/>
-              <a:t>code. </a:t>
-            </a:r>
-            <a:r>
-              <a:rPr lang="fr-FR" sz="2400" dirty="0"/>
-              <a:t>Un avertissement est seulement ici pour vous indiquer qu'une opération suspecte et pouvant être une erreur a été </a:t>
-            </a:r>
-            <a:r>
-              <a:rPr lang="fr-FR" sz="2400" dirty="0" smtClean="0"/>
-              <a:t>effectuée</a:t>
-            </a:r>
-          </a:p>
-          <a:p>
-            <a:r>
-              <a:rPr lang="fr-FR" sz="2400" dirty="0" smtClean="0"/>
-              <a:t>Ici </a:t>
-            </a:r>
-            <a:r>
-              <a:rPr lang="fr-FR" sz="2400" dirty="0"/>
-              <a:t>le problème vient du fait que le vecteur </a:t>
+              <a:t>Ici le problème vient du fait que le vecteur </a:t>
             </a:r>
             <a:r>
               <a:rPr lang="fr-FR" sz="2400" i="1" dirty="0"/>
@@ -5922,14 +5672,13 @@
           <a:lstStyle/>
           <a:p>
             <a:r>
-              <a:rPr lang="fr-FR" dirty="0" err="1" smtClean="0"/>
+              <a:rPr lang="fr-FR" dirty="0" err="1"/>
               <a:t>map</a:t>
             </a:r>
             <a:r>
-              <a:rPr lang="fr-FR" dirty="0" smtClean="0"/>
+              <a:rPr lang="fr-FR" dirty="0"/>
               <a:t> complexe</a:t>
             </a:r>
-            <a:endParaRPr lang="fr-FR" dirty="0"/>
           </a:p>
         </p:txBody>
       </p:sp>
@@ -5949,10 +5698,9 @@
           <a:lstStyle/>
           <a:p>
             <a:r>
-              <a:rPr lang="fr-FR" dirty="0" smtClean="0"/>
+              <a:rPr lang="fr-FR" dirty="0"/>
               <a:t>Il est alors possible d'effectuer des actions complexes sur le vecteur</a:t>
             </a:r>
-            <a:endParaRPr lang="fr-FR" dirty="0"/>
           </a:p>
         </p:txBody>
       </p:sp>
@@ -6026,7 +5774,7 @@
           <a:lstStyle/>
           <a:p>
             <a:r>
-              <a:rPr lang="fr-FR" dirty="0" err="1" smtClean="0"/>
+              <a:rPr lang="fr-FR" dirty="0" err="1"/>
               <a:t>length</a:t>
             </a:r>
             <a:endParaRPr lang="fr-FR" dirty="0"/>
@@ -6049,11 +5797,11 @@
           <a:lstStyle/>
           <a:p>
             <a:r>
-              <a:rPr lang="fr-FR" dirty="0" err="1" smtClean="0"/>
+              <a:rPr lang="fr-FR" dirty="0" err="1"/>
               <a:t>length</a:t>
             </a:r>
             <a:r>
-              <a:rPr lang="fr-FR" dirty="0" smtClean="0"/>
+              <a:rPr lang="fr-FR" dirty="0"/>
               <a:t>() permet de connaitre la longueur d'un vecteur</a:t>
             </a:r>
           </a:p>
@@ -6062,10 +5810,9 @@
           </a:p>
           <a:p>
             <a:r>
-              <a:rPr lang="fr-FR" dirty="0" smtClean="0"/>
+              <a:rPr lang="fr-FR" dirty="0"/>
               <a:t>Il est possible de filtrer avec</a:t>
             </a:r>
-            <a:endParaRPr lang="fr-FR" dirty="0"/>
           </a:p>
         </p:txBody>
       </p:sp>
@@ -6163,15 +5910,15 @@
           <a:lstStyle/>
           <a:p>
             <a:r>
-              <a:rPr lang="fr-FR" dirty="0" err="1" smtClean="0"/>
+              <a:rPr lang="fr-FR" dirty="0" err="1"/>
               <a:t>head</a:t>
             </a:r>
             <a:r>
-              <a:rPr lang="fr-FR" dirty="0" smtClean="0"/>
+              <a:rPr lang="fr-FR" dirty="0"/>
               <a:t> et </a:t>
             </a:r>
             <a:r>
-              <a:rPr lang="fr-FR" dirty="0" err="1" smtClean="0"/>
+              <a:rPr lang="fr-FR" dirty="0" err="1"/>
               <a:t>tail</a:t>
             </a:r>
             <a:endParaRPr lang="fr-FR" dirty="0"/>
@@ -6194,62 +5941,58 @@
           <a:lstStyle/>
           <a:p>
             <a:r>
-              <a:rPr lang="fr-FR" dirty="0" err="1" smtClean="0"/>
-              <a:t>head</a:t>
-            </a:r>
-            <a:r>
-              <a:rPr lang="fr-FR" dirty="0" smtClean="0"/>
-              <a:t>() permet d'afficher l'entête d'un vecteur</a:t>
-            </a:r>
-          </a:p>
-          <a:p>
-            <a:pPr lvl="1"/>
-            <a:r>
-              <a:rPr lang="fr-FR" dirty="0" smtClean="0"/>
-              <a:t>Par défaut les 6 premiers éléments</a:t>
-            </a:r>
-          </a:p>
-          <a:p>
-            <a:pPr lvl="1"/>
-            <a:r>
-              <a:rPr lang="fr-FR" dirty="0" smtClean="0"/>
-              <a:t>Il possible de customiser </a:t>
-            </a:r>
-            <a:r>
-              <a:rPr lang="fr-FR" dirty="0" err="1" smtClean="0"/>
-              <a:t>head</a:t>
-            </a:r>
-            <a:endParaRPr lang="fr-FR" dirty="0" smtClean="0"/>
-          </a:p>
-          <a:p>
-            <a:pPr lvl="1"/>
-            <a:r>
-              <a:rPr lang="fr-FR" dirty="0"/>
-              <a:t>poids &lt;- </a:t>
-            </a:r>
-            <a:r>
               <a:rPr lang="fr-FR" dirty="0" err="1"/>
               <a:t>head</a:t>
             </a:r>
             <a:r>
               <a:rPr lang="fr-FR" dirty="0"/>
-              <a:t>(poids, </a:t>
-            </a:r>
-            <a:r>
-              <a:rPr lang="fr-FR" dirty="0" smtClean="0"/>
-              <a:t>10)</a:t>
+              <a:t>() permet d'afficher l'entête d'un vecteur</a:t>
             </a:r>
           </a:p>
           <a:p>
             <a:pPr lvl="1"/>
             <a:r>
               <a:rPr lang="fr-FR" dirty="0"/>
-              <a:t>poids &lt;- </a:t>
+              <a:t>Par défaut les 6 premiers éléments</a:t>
+            </a:r>
+          </a:p>
+          <a:p>
+            <a:pPr lvl="1"/>
+            <a:r>
+              <a:rPr lang="fr-FR" dirty="0"/>
+              <a:t>Il possible de customiser </a:t>
             </a:r>
             <a:r>
               <a:rPr lang="fr-FR" dirty="0" err="1"/>
               <a:t>head</a:t>
             </a:r>
+            <a:endParaRPr lang="fr-FR" dirty="0"/>
+          </a:p>
+          <a:p>
+            <a:pPr lvl="1"/>
+            <a:r>
+              <a:rPr lang="fr-FR" dirty="0"/>
+              <a:t>poids &lt;- </a:t>
+            </a:r>
+            <a:r>
+              <a:rPr lang="fr-FR" dirty="0" err="1"/>
+              <a:t>head</a:t>
+            </a:r>
+            <a:r>
+              <a:rPr lang="fr-FR" dirty="0"/>
+              <a:t>(poids, 10)</a:t>
+            </a:r>
+          </a:p>
+          <a:p>
+            <a:pPr lvl="1"/>
+            <a:r>
+              <a:rPr lang="fr-FR" dirty="0"/>
+              <a:t>poids &lt;- </a:t>
+            </a:r>
+            <a:r>
+              <a:rPr lang="fr-FR" dirty="0" err="1"/>
+              <a:t>head</a:t>
+            </a:r>
             <a:r>
               <a:rPr lang="fr-FR" dirty="0"/>
               <a:t>(poids, </a:t>
@@ -6260,23 +6003,18 @@
             </a:r>
             <a:r>
               <a:rPr lang="fr-FR" dirty="0"/>
-              <a:t>(poids) - 1</a:t>
-            </a:r>
-            <a:r>
-              <a:rPr lang="fr-FR" dirty="0" smtClean="0"/>
-              <a:t>)</a:t>
-            </a:r>
-          </a:p>
-          <a:p>
-            <a:r>
-              <a:rPr lang="fr-FR" dirty="0" err="1" smtClean="0"/>
+              <a:t>(poids) - 1)</a:t>
+            </a:r>
+          </a:p>
+          <a:p>
+            <a:r>
+              <a:rPr lang="fr-FR" dirty="0" err="1"/>
               <a:t>tail</a:t>
             </a:r>
             <a:r>
-              <a:rPr lang="fr-FR" dirty="0" smtClean="0"/>
+              <a:rPr lang="fr-FR" dirty="0"/>
               <a:t>() effectue la même chose mais pour la queue du vecteur</a:t>
             </a:r>
-            <a:endParaRPr lang="fr-FR" dirty="0"/>
           </a:p>
         </p:txBody>
       </p:sp>
@@ -6326,10 +6064,9 @@
           <a:lstStyle/>
           <a:p>
             <a:r>
-              <a:rPr lang="fr-FR" dirty="0" smtClean="0"/>
+              <a:rPr lang="fr-FR" dirty="0"/>
               <a:t>Tri</a:t>
             </a:r>
-            <a:endParaRPr lang="fr-FR" dirty="0"/>
           </a:p>
         </p:txBody>
       </p:sp>
@@ -6350,54 +6087,30 @@
           <a:p>
             <a:r>
               <a:rPr lang="fr-FR" dirty="0"/>
-              <a:t>I</a:t>
-            </a:r>
-            <a:r>
-              <a:rPr lang="fr-FR" dirty="0" smtClean="0"/>
-              <a:t>l est possible de trier un vecteur avec sort()</a:t>
+              <a:t>Il est possible de trier un vecteur avec sort()</a:t>
             </a:r>
           </a:p>
           <a:p>
             <a:endParaRPr lang="fr-FR" dirty="0"/>
           </a:p>
           <a:p>
-            <a:endParaRPr lang="fr-FR" dirty="0" smtClean="0"/>
-          </a:p>
-          <a:p>
             <a:endParaRPr lang="fr-FR" dirty="0"/>
           </a:p>
           <a:p>
-            <a:r>
-              <a:rPr lang="fr-FR" dirty="0"/>
-              <a:t>La </a:t>
-            </a:r>
-            <a:r>
-              <a:rPr lang="fr-FR" dirty="0" smtClean="0"/>
-              <a:t>fonction </a:t>
-            </a:r>
-            <a:r>
-              <a:rPr lang="fr-FR" dirty="0" err="1" smtClean="0"/>
+            <a:endParaRPr lang="fr-FR" dirty="0"/>
+          </a:p>
+          <a:p>
+            <a:r>
+              <a:rPr lang="fr-FR" dirty="0"/>
+              <a:t>La fonction </a:t>
+            </a:r>
+            <a:r>
+              <a:rPr lang="fr-FR" dirty="0" err="1"/>
               <a:t>order</a:t>
             </a:r>
             <a:r>
-              <a:rPr lang="fr-FR" dirty="0" smtClean="0"/>
-              <a:t>() fonctionne </a:t>
-            </a:r>
-            <a:r>
-              <a:rPr lang="fr-FR" dirty="0"/>
-              <a:t>de manière similaire </a:t>
-            </a:r>
-            <a:r>
-              <a:rPr lang="fr-FR" dirty="0" smtClean="0"/>
-              <a:t>que sort() mais au </a:t>
-            </a:r>
-            <a:r>
-              <a:rPr lang="fr-FR" dirty="0"/>
-              <a:t>lieu de renvoyer les valeurs du vecteur, elle va en renvoyer les </a:t>
-            </a:r>
-            <a:r>
-              <a:rPr lang="fr-FR" dirty="0" smtClean="0"/>
-              <a:t>index</a:t>
+              <a:rPr lang="fr-FR" dirty="0"/>
+              <a:t>() fonctionne de manière similaire que sort() mais au lieu de renvoyer les valeurs du vecteur, elle va en renvoyer les index</a:t>
             </a:r>
           </a:p>
           <a:p>
@@ -6405,29 +6118,29 @@
           </a:p>
           <a:p>
             <a:r>
-              <a:rPr lang="fr-FR" dirty="0" smtClean="0"/>
+              <a:rPr lang="fr-FR" dirty="0"/>
               <a:t>Il est alors possible de faire un sort avec un </a:t>
             </a:r>
             <a:r>
-              <a:rPr lang="fr-FR" dirty="0" err="1" smtClean="0"/>
+              <a:rPr lang="fr-FR" dirty="0" err="1"/>
               <a:t>order</a:t>
             </a:r>
             <a:r>
-              <a:rPr lang="fr-FR" dirty="0" smtClean="0"/>
+              <a:rPr lang="fr-FR" dirty="0"/>
               <a:t>()</a:t>
             </a:r>
           </a:p>
           <a:p>
-            <a:endParaRPr lang="fr-FR" dirty="0" smtClean="0"/>
-          </a:p>
-          <a:p>
             <a:endParaRPr lang="fr-FR" dirty="0"/>
           </a:p>
           <a:p>
-            <a:endParaRPr lang="fr-FR" dirty="0" smtClean="0"/>
-          </a:p>
-          <a:p>
-            <a:endParaRPr lang="fr-FR" dirty="0" smtClean="0"/>
+            <a:endParaRPr lang="fr-FR" dirty="0"/>
+          </a:p>
+          <a:p>
+            <a:endParaRPr lang="fr-FR" dirty="0"/>
+          </a:p>
+          <a:p>
+            <a:endParaRPr lang="fr-FR" dirty="0"/>
           </a:p>
           <a:p>
             <a:endParaRPr lang="fr-FR" dirty="0"/>
@@ -6576,7 +6289,7 @@
           <a:lstStyle/>
           <a:p>
             <a:r>
-              <a:rPr lang="fr-FR" dirty="0" err="1" smtClean="0"/>
+              <a:rPr lang="fr-FR" dirty="0" err="1"/>
               <a:t>rank</a:t>
             </a:r>
             <a:endParaRPr lang="fr-FR" dirty="0"/>
@@ -6599,11 +6312,11 @@
           <a:lstStyle/>
           <a:p>
             <a:r>
-              <a:rPr lang="fr-FR" dirty="0" err="1" smtClean="0"/>
+              <a:rPr lang="fr-FR" dirty="0" err="1"/>
               <a:t>rank</a:t>
             </a:r>
             <a:r>
-              <a:rPr lang="fr-FR" smtClean="0"/>
+              <a:rPr lang="fr-FR"/>
               <a:t>() renvoie</a:t>
             </a:r>
             <a:r>
@@ -6616,11 +6329,11 @@
               <a:buNone/>
             </a:pPr>
             <a:r>
-              <a:rPr lang="fr-FR" dirty="0" err="1" smtClean="0"/>
+              <a:rPr lang="fr-FR" dirty="0" err="1"/>
               <a:t>rank</a:t>
             </a:r>
             <a:r>
-              <a:rPr lang="fr-FR" dirty="0" smtClean="0"/>
+              <a:rPr lang="fr-FR" dirty="0"/>
               <a:t>(poids)</a:t>
             </a:r>
           </a:p>
@@ -6629,64 +6342,38 @@
               <a:buNone/>
             </a:pPr>
             <a:r>
-              <a:rPr lang="fr-FR" dirty="0" smtClean="0"/>
+              <a:rPr lang="fr-FR" dirty="0"/>
               <a:t>[1] 14.5  1.5 21.5  5.0 14.5 12.0  4.0 18.0 19.0 10.5 13.0  3.0  7.0  8.0  9.0 21.5 23.0  1.5  6.0 20.0 10.5 16.0 17.0</a:t>
             </a:r>
-            <a:endParaRPr lang="fr-FR" dirty="0"/>
           </a:p>
           <a:p>
             <a:pPr lvl="1"/>
             <a:r>
               <a:rPr lang="fr-FR" sz="2000" dirty="0"/>
-              <a:t>Le résultat indique, par exemple, que la quatrième valeur du vecteur, est la cinquième valeur la plus élevée de l'ensemble du </a:t>
-            </a:r>
-            <a:r>
-              <a:rPr lang="fr-FR" sz="2000" dirty="0" smtClean="0"/>
-              <a:t>vecteur</a:t>
+              <a:t>Le résultat indique, par exemple, que la quatrième valeur du vecteur, est la cinquième valeur la plus élevée de l'ensemble du vecteur</a:t>
             </a:r>
           </a:p>
           <a:p>
             <a:pPr lvl="1"/>
             <a:r>
-              <a:rPr lang="fr-FR" sz="2000" dirty="0" smtClean="0"/>
-              <a:t>Vous </a:t>
-            </a:r>
-            <a:r>
               <a:rPr lang="fr-FR" sz="2000" dirty="0"/>
-              <a:t>aurez certainement remarqué que certaines valeurs ne sont pas entières mais </a:t>
-            </a:r>
-            <a:r>
-              <a:rPr lang="fr-FR" sz="2000" dirty="0" smtClean="0"/>
-              <a:t>décimales</a:t>
+              <a:t>Vous aurez certainement remarqué que certaines valeurs ne sont pas entières mais décimales</a:t>
             </a:r>
           </a:p>
           <a:p>
             <a:pPr lvl="1"/>
             <a:r>
-              <a:rPr lang="fr-FR" sz="2000" dirty="0" smtClean="0"/>
-              <a:t>Par </a:t>
-            </a:r>
-            <a:r>
               <a:rPr lang="fr-FR" sz="2000" dirty="0"/>
-              <a:t>défaut, lorsque </a:t>
-            </a:r>
-            <a:r>
-              <a:rPr lang="fr-FR" sz="2000" dirty="0" err="1" smtClean="0"/>
+              <a:t>Par défaut, lorsque </a:t>
+            </a:r>
+            <a:r>
+              <a:rPr lang="fr-FR" sz="2000" dirty="0" err="1"/>
               <a:t>rank</a:t>
             </a:r>
             <a:r>
-              <a:rPr lang="fr-FR" sz="2000" dirty="0" smtClean="0"/>
-              <a:t>() rencontre </a:t>
-            </a:r>
-            <a:r>
               <a:rPr lang="fr-FR" sz="2000" dirty="0"/>
-              <a:t>des éléments de même valeur (et donc de même rang), il leur attribue la moyenne de l'ensemble des rangs que prendraient ces </a:t>
-            </a:r>
-            <a:r>
-              <a:rPr lang="fr-FR" sz="2000" dirty="0" smtClean="0"/>
-              <a:t>éléments</a:t>
-            </a:r>
-            <a:endParaRPr lang="fr-FR" sz="2000" dirty="0"/>
+              <a:t>() rencontre des éléments de même valeur (et donc de même rang), il leur attribue la moyenne de l'ensemble des rangs que prendraient ces éléments</a:t>
+            </a:r>
           </a:p>
         </p:txBody>
       </p:sp>
@@ -6700,13 +6387,6 @@
   <p:clrMapOvr>
     <a:masterClrMapping/>
   </p:clrMapOvr>
-  <p:timing>
-    <p:tnLst>
-      <p:par>
-        <p:cTn id="1" dur="indefinite" restart="never" nodeType="tmRoot"/>
-      </p:par>
-    </p:tnLst>
-  </p:timing>
 </p:sld>
 </file>
 
@@ -6743,10 +6423,9 @@
           <a:lstStyle/>
           <a:p>
             <a:r>
-              <a:rPr lang="fr-FR" dirty="0" smtClean="0"/>
+              <a:rPr lang="fr-FR" dirty="0"/>
               <a:t>Vecteur</a:t>
             </a:r>
-            <a:endParaRPr lang="fr-FR" dirty="0"/>
           </a:p>
         </p:txBody>
       </p:sp>
@@ -6766,17 +6445,16 @@
           <a:lstStyle/>
           <a:p>
             <a:r>
-              <a:rPr lang="fr-FR" dirty="0" smtClean="0"/>
+              <a:rPr lang="fr-FR" dirty="0"/>
               <a:t>Un vecteur est une liste d'élément (appelés objets) du même type</a:t>
             </a:r>
           </a:p>
           <a:p>
             <a:pPr lvl="1"/>
             <a:r>
-              <a:rPr lang="fr-FR" dirty="0" smtClean="0"/>
+              <a:rPr lang="fr-FR" dirty="0"/>
               <a:t>Nous parlons d'un vecteur d'entiers, de flottants, de booléens, de chaines, …</a:t>
             </a:r>
-            <a:endParaRPr lang="fr-FR" dirty="0"/>
           </a:p>
         </p:txBody>
       </p:sp>
@@ -6790,13 +6468,6 @@
   <p:clrMapOvr>
     <a:masterClrMapping/>
   </p:clrMapOvr>
-  <p:timing>
-    <p:tnLst>
-      <p:par>
-        <p:cTn id="1" dur="indefinite" restart="never" nodeType="tmRoot"/>
-      </p:par>
-    </p:tnLst>
-  </p:timing>
 </p:sld>
 </file>
 
@@ -6833,14 +6504,13 @@
           <a:lstStyle/>
           <a:p>
             <a:r>
-              <a:rPr lang="fr-FR" dirty="0" err="1" smtClean="0"/>
+              <a:rPr lang="fr-FR" dirty="0" err="1"/>
               <a:t>vector</a:t>
             </a:r>
             <a:r>
-              <a:rPr lang="fr-FR" dirty="0" smtClean="0"/>
+              <a:rPr lang="fr-FR" dirty="0"/>
               <a:t>()</a:t>
             </a:r>
-            <a:endParaRPr lang="fr-FR" dirty="0"/>
           </a:p>
         </p:txBody>
       </p:sp>
@@ -6860,15 +6530,15 @@
           <a:lstStyle/>
           <a:p>
             <a:r>
-              <a:rPr lang="fr-FR" dirty="0" smtClean="0"/>
+              <a:rPr lang="fr-FR" dirty="0"/>
               <a:t>La fonction </a:t>
             </a:r>
             <a:r>
-              <a:rPr lang="fr-FR" dirty="0" err="1" smtClean="0"/>
+              <a:rPr lang="fr-FR" dirty="0" err="1"/>
               <a:t>vector</a:t>
             </a:r>
             <a:r>
-              <a:rPr lang="fr-FR" dirty="0" smtClean="0"/>
+              <a:rPr lang="fr-FR" dirty="0"/>
               <a:t>() permet de créer un vecteur</a:t>
             </a:r>
           </a:p>
@@ -6877,7 +6547,7 @@
               <a:buNone/>
             </a:pPr>
             <a:r>
-              <a:rPr lang="fr-FR" dirty="0" err="1" smtClean="0"/>
+              <a:rPr lang="fr-FR" dirty="0" err="1"/>
               <a:t>vector</a:t>
             </a:r>
             <a:r>
@@ -6898,16 +6568,8 @@
               <a:buNone/>
             </a:pPr>
             <a:r>
-              <a:rPr lang="fr-FR" dirty="0" smtClean="0"/>
-              <a:t>0</a:t>
-            </a:r>
-            <a:r>
-              <a:rPr lang="fr-FR" dirty="0"/>
-              <a:t> 0 0 0 0 0 0 0 0 </a:t>
-            </a:r>
-            <a:r>
-              <a:rPr lang="fr-FR" dirty="0" smtClean="0"/>
-              <a:t>0</a:t>
+              <a:rPr lang="fr-FR" dirty="0"/>
+              <a:t>0 0 0 0 0 0 0 0 0 0</a:t>
             </a:r>
           </a:p>
           <a:p>
@@ -6921,7 +6583,7 @@
               <a:buNone/>
             </a:pPr>
             <a:r>
-              <a:rPr lang="fr-FR" dirty="0" err="1" smtClean="0"/>
+              <a:rPr lang="fr-FR" dirty="0" err="1"/>
               <a:t>vector</a:t>
             </a:r>
             <a:r>
@@ -6934,25 +6596,16 @@
             </a:r>
             <a:r>
               <a:rPr lang="fr-FR" dirty="0"/>
-              <a:t>", </a:t>
-            </a:r>
-            <a:r>
-              <a:rPr lang="fr-FR" dirty="0" smtClean="0"/>
-              <a:t>7)</a:t>
-            </a:r>
-            <a:endParaRPr lang="fr-FR" dirty="0"/>
+              <a:t>", 7)</a:t>
+            </a:r>
           </a:p>
           <a:p>
             <a:pPr marL="400050" lvl="1" indent="0">
               <a:buNone/>
             </a:pPr>
             <a:r>
-              <a:rPr lang="fr-FR" dirty="0" smtClean="0"/>
-              <a:t>FALSE</a:t>
-            </a:r>
-            <a:r>
-              <a:rPr lang="fr-FR" dirty="0"/>
-              <a:t> </a:t>
+              <a:rPr lang="fr-FR" dirty="0"/>
+              <a:t>FALSE </a:t>
             </a:r>
             <a:r>
               <a:rPr lang="fr-FR" dirty="0" err="1"/>
@@ -6995,31 +6648,26 @@
               <a:t> </a:t>
             </a:r>
             <a:r>
-              <a:rPr lang="fr-FR" dirty="0" err="1" smtClean="0"/>
+              <a:rPr lang="fr-FR" dirty="0" err="1"/>
               <a:t>FALSE</a:t>
             </a:r>
-            <a:endParaRPr lang="fr-FR" dirty="0" smtClean="0"/>
-          </a:p>
-          <a:p>
-            <a:r>
-              <a:rPr lang="fr-FR" dirty="0" smtClean="0"/>
-              <a:t>Il existe des fonctions raccourcis pour créer des vecteurs </a:t>
-            </a:r>
-            <a:r>
-              <a:rPr lang="fr-FR" dirty="0" smtClean="0"/>
-              <a:t>typés</a:t>
-            </a:r>
-          </a:p>
-          <a:p>
-            <a:r>
-              <a:rPr lang="fr-FR" sz="1600" dirty="0" err="1" smtClean="0"/>
+            <a:endParaRPr lang="fr-FR" dirty="0"/>
+          </a:p>
+          <a:p>
+            <a:r>
+              <a:rPr lang="fr-FR" dirty="0"/>
+              <a:t>Il existe des fonctions raccourcis pour créer des vecteurs typés</a:t>
+            </a:r>
+          </a:p>
+          <a:p>
+            <a:r>
+              <a:rPr lang="fr-FR" sz="1600" dirty="0" err="1"/>
               <a:t>length</a:t>
             </a:r>
             <a:r>
-              <a:rPr lang="fr-FR" sz="1600" dirty="0" smtClean="0"/>
+              <a:rPr lang="fr-FR" sz="1600" dirty="0"/>
               <a:t>() permet de connaitre la taille du vecteur</a:t>
             </a:r>
-            <a:endParaRPr lang="fr-FR" sz="1600" dirty="0"/>
           </a:p>
         </p:txBody>
       </p:sp>
@@ -7057,13 +6705,6 @@
   <p:clrMapOvr>
     <a:masterClrMapping/>
   </p:clrMapOvr>
-  <p:timing>
-    <p:tnLst>
-      <p:par>
-        <p:cTn id="1" dur="indefinite" restart="never" nodeType="tmRoot"/>
-      </p:par>
-    </p:tnLst>
-  </p:timing>
 </p:sld>
 </file>
 
@@ -7100,10 +6741,9 @@
           <a:lstStyle/>
           <a:p>
             <a:r>
-              <a:rPr lang="fr-FR" dirty="0" smtClean="0"/>
+              <a:rPr lang="fr-FR" dirty="0"/>
               <a:t>scan</a:t>
             </a:r>
-            <a:endParaRPr lang="fr-FR" dirty="0"/>
           </a:p>
         </p:txBody>
       </p:sp>
@@ -7123,7 +6763,7 @@
           <a:lstStyle/>
           <a:p>
             <a:r>
-              <a:rPr lang="fr-FR" dirty="0" smtClean="0"/>
+              <a:rPr lang="fr-FR" dirty="0"/>
               <a:t>scan() permet de créer un vecteur en saisissant au clavier</a:t>
             </a:r>
           </a:p>
@@ -7131,25 +6771,25 @@
             <a:endParaRPr lang="fr-FR" dirty="0"/>
           </a:p>
           <a:p>
-            <a:endParaRPr lang="fr-FR" dirty="0" smtClean="0"/>
-          </a:p>
-          <a:p>
             <a:endParaRPr lang="fr-FR" dirty="0"/>
           </a:p>
           <a:p>
-            <a:endParaRPr lang="fr-FR" dirty="0" smtClean="0"/>
-          </a:p>
-          <a:p>
-            <a:r>
-              <a:rPr lang="fr-FR" dirty="0" smtClean="0"/>
+            <a:endParaRPr lang="fr-FR" dirty="0"/>
+          </a:p>
+          <a:p>
+            <a:endParaRPr lang="fr-FR" dirty="0"/>
+          </a:p>
+          <a:p>
+            <a:r>
+              <a:rPr lang="fr-FR" dirty="0"/>
               <a:t>L'argument </a:t>
             </a:r>
             <a:r>
-              <a:rPr lang="fr-FR" dirty="0" err="1" smtClean="0"/>
+              <a:rPr lang="fr-FR" dirty="0" err="1"/>
               <a:t>nmax</a:t>
             </a:r>
             <a:r>
-              <a:rPr lang="fr-FR" dirty="0" smtClean="0"/>
+              <a:rPr lang="fr-FR" dirty="0"/>
               <a:t> permet de limiter le nombre d'élément saisie</a:t>
             </a:r>
           </a:p>
@@ -7216,13 +6856,6 @@
   <p:clrMapOvr>
     <a:masterClrMapping/>
   </p:clrMapOvr>
-  <p:timing>
-    <p:tnLst>
-      <p:par>
-        <p:cTn id="1" dur="indefinite" restart="never" nodeType="tmRoot"/>
-      </p:par>
-    </p:tnLst>
-  </p:timing>
 </p:sld>
 </file>
 
@@ -7259,10 +6892,9 @@
           <a:lstStyle/>
           <a:p>
             <a:r>
-              <a:rPr lang="fr-FR" dirty="0" smtClean="0"/>
+              <a:rPr lang="fr-FR" dirty="0"/>
               <a:t>Générateur</a:t>
             </a:r>
-            <a:endParaRPr lang="fr-FR" dirty="0"/>
           </a:p>
         </p:txBody>
       </p:sp>
@@ -7282,23 +6914,22 @@
           <a:lstStyle/>
           <a:p>
             <a:r>
-              <a:rPr lang="fr-FR" dirty="0" smtClean="0"/>
-              <a:t>Les générateur permettent de générer une suite de nombre</a:t>
-            </a:r>
-          </a:p>
-          <a:p>
-            <a:r>
-              <a:rPr lang="fr-FR" dirty="0" smtClean="0"/>
+              <a:rPr lang="fr-FR" dirty="0"/>
+              <a:t>Les générateurs permettent de générer une suite de nombre</a:t>
+            </a:r>
+          </a:p>
+          <a:p>
+            <a:r>
+              <a:rPr lang="fr-FR" dirty="0"/>
               <a:t>Opérateur :</a:t>
             </a:r>
           </a:p>
           <a:p>
             <a:pPr lvl="1"/>
             <a:r>
-              <a:rPr lang="fr-FR" dirty="0" smtClean="0"/>
+              <a:rPr lang="fr-FR" dirty="0"/>
               <a:t>Déjà utilisé dans le for</a:t>
             </a:r>
-            <a:endParaRPr lang="fr-FR" dirty="0"/>
           </a:p>
         </p:txBody>
       </p:sp>
@@ -7336,13 +6967,6 @@
   <p:clrMapOvr>
     <a:masterClrMapping/>
   </p:clrMapOvr>
-  <p:timing>
-    <p:tnLst>
-      <p:par>
-        <p:cTn id="1" dur="indefinite" restart="never" nodeType="tmRoot"/>
-      </p:par>
-    </p:tnLst>
-  </p:timing>
 </p:sld>
 </file>
 
@@ -7379,7 +7003,7 @@
           <a:lstStyle/>
           <a:p>
             <a:r>
-              <a:rPr lang="fr-FR" dirty="0" err="1" smtClean="0"/>
+              <a:rPr lang="fr-FR" dirty="0" err="1"/>
               <a:t>rep</a:t>
             </a:r>
             <a:endParaRPr lang="fr-FR" dirty="0"/>
@@ -7402,14 +7026,13 @@
           <a:lstStyle/>
           <a:p>
             <a:r>
-              <a:rPr lang="fr-FR" dirty="0" err="1" smtClean="0"/>
+              <a:rPr lang="fr-FR" dirty="0" err="1"/>
               <a:t>rep</a:t>
             </a:r>
             <a:r>
-              <a:rPr lang="fr-FR" dirty="0" smtClean="0"/>
+              <a:rPr lang="fr-FR" dirty="0"/>
               <a:t>() permet de générer un vecteur répétitif</a:t>
             </a:r>
-            <a:endParaRPr lang="fr-FR" dirty="0"/>
           </a:p>
         </p:txBody>
       </p:sp>
@@ -7447,13 +7070,6 @@
   <p:clrMapOvr>
     <a:masterClrMapping/>
   </p:clrMapOvr>
-  <p:timing>
-    <p:tnLst>
-      <p:par>
-        <p:cTn id="1" dur="indefinite" restart="never" nodeType="tmRoot"/>
-      </p:par>
-    </p:tnLst>
-  </p:timing>
 </p:sld>
 </file>
 
@@ -7490,7 +7106,7 @@
           <a:lstStyle/>
           <a:p>
             <a:r>
-              <a:rPr lang="fr-FR" dirty="0" err="1" smtClean="0"/>
+              <a:rPr lang="fr-FR" dirty="0" err="1"/>
               <a:t>seq</a:t>
             </a:r>
             <a:endParaRPr lang="fr-FR" dirty="0"/>
@@ -7513,18 +7129,18 @@
           <a:lstStyle/>
           <a:p>
             <a:r>
-              <a:rPr lang="fr-FR" dirty="0" err="1" smtClean="0"/>
+              <a:rPr lang="fr-FR" dirty="0" err="1"/>
               <a:t>seq</a:t>
             </a:r>
             <a:r>
-              <a:rPr lang="fr-FR" dirty="0" smtClean="0"/>
+              <a:rPr lang="fr-FR" dirty="0"/>
               <a:t>() permet de générer une séquence de nombre</a:t>
             </a:r>
           </a:p>
           <a:p>
             <a:pPr lvl="1"/>
             <a:r>
-              <a:rPr lang="fr-FR" dirty="0" smtClean="0"/>
+              <a:rPr lang="fr-FR" dirty="0"/>
               <a:t>Idem à : mais permet de gérer le pas</a:t>
             </a:r>
           </a:p>
@@ -7567,13 +7183,6 @@
   <p:clrMapOvr>
     <a:masterClrMapping/>
   </p:clrMapOvr>
-  <p:timing>
-    <p:tnLst>
-      <p:par>
-        <p:cTn id="1" dur="indefinite" restart="never" nodeType="tmRoot"/>
-      </p:par>
-    </p:tnLst>
-  </p:timing>
 </p:sld>
 </file>
 
@@ -7610,10 +7219,9 @@
           <a:lstStyle/>
           <a:p>
             <a:r>
-              <a:rPr lang="fr-FR" dirty="0" smtClean="0"/>
+              <a:rPr lang="fr-FR" dirty="0"/>
               <a:t>for</a:t>
             </a:r>
-            <a:endParaRPr lang="fr-FR" dirty="0"/>
           </a:p>
         </p:txBody>
       </p:sp>
@@ -7634,7 +7242,7 @@
           <a:p>
             <a:pPr eaLnBrk="1" hangingPunct="1"/>
             <a:r>
-              <a:rPr lang="fr-FR" dirty="0" smtClean="0"/>
+              <a:rPr lang="fr-FR" dirty="0"/>
               <a:t>Le for vu précédemment n'était qu'un cas particulier de</a:t>
             </a:r>
           </a:p>
@@ -7657,109 +7265,92 @@
               <a:t>i</a:t>
             </a:r>
             <a:r>
-              <a:rPr lang="en-US" altLang="fr-FR" dirty="0" smtClean="0"/>
+              <a:rPr lang="en-US" altLang="fr-FR" dirty="0"/>
               <a:t>)</a:t>
             </a:r>
           </a:p>
           <a:p>
             <a:pPr eaLnBrk="1" hangingPunct="1"/>
             <a:r>
-              <a:rPr lang="en-US" dirty="0" smtClean="0"/>
+              <a:rPr lang="en-US" dirty="0"/>
               <a:t>for </a:t>
             </a:r>
             <a:r>
-              <a:rPr lang="en-US" dirty="0" err="1" smtClean="0"/>
+              <a:rPr lang="en-US" dirty="0" err="1"/>
               <a:t>marche</a:t>
             </a:r>
             <a:r>
-              <a:rPr lang="en-US" dirty="0" smtClean="0"/>
+              <a:rPr lang="en-US" dirty="0"/>
               <a:t> sur </a:t>
             </a:r>
             <a:r>
-              <a:rPr lang="en-US" dirty="0" err="1" smtClean="0"/>
+              <a:rPr lang="en-US" dirty="0" err="1"/>
               <a:t>n'importe</a:t>
             </a:r>
             <a:r>
-              <a:rPr lang="en-US" dirty="0" smtClean="0"/>
+              <a:rPr lang="en-US" dirty="0"/>
               <a:t> </a:t>
             </a:r>
             <a:r>
-              <a:rPr lang="en-US" dirty="0" err="1" smtClean="0"/>
+              <a:rPr lang="en-US" dirty="0" err="1"/>
               <a:t>quel</a:t>
             </a:r>
             <a:r>
-              <a:rPr lang="en-US" dirty="0" smtClean="0"/>
+              <a:rPr lang="en-US" dirty="0"/>
               <a:t> </a:t>
             </a:r>
             <a:r>
-              <a:rPr lang="en-US" dirty="0" err="1" smtClean="0"/>
+              <a:rPr lang="en-US" dirty="0" err="1"/>
               <a:t>vecteur</a:t>
             </a:r>
-            <a:endParaRPr lang="fr-FR" dirty="0" smtClean="0"/>
+            <a:endParaRPr lang="fr-FR" dirty="0"/>
           </a:p>
           <a:p>
             <a:pPr eaLnBrk="1" hangingPunct="1"/>
             <a:r>
-              <a:rPr lang="fr-FR" dirty="0" smtClean="0"/>
-              <a:t>for (var </a:t>
-            </a:r>
-            <a:r>
-              <a:rPr lang="fr-FR" dirty="0"/>
-              <a:t>in </a:t>
-            </a:r>
-            <a:r>
-              <a:rPr lang="fr-FR" dirty="0" smtClean="0"/>
-              <a:t>vecteur) </a:t>
-            </a:r>
-            <a:r>
-              <a:rPr lang="fr-FR" dirty="0"/>
-              <a:t>{commandes</a:t>
-            </a:r>
-            <a:r>
-              <a:rPr lang="fr-FR" dirty="0" smtClean="0"/>
-              <a:t>}</a:t>
+              <a:rPr lang="fr-FR" dirty="0"/>
+              <a:t>for (var in vecteur) {commandes}</a:t>
             </a:r>
             <a:endParaRPr lang="en-US" dirty="0"/>
           </a:p>
           <a:p>
             <a:pPr eaLnBrk="1" hangingPunct="1"/>
             <a:r>
-              <a:rPr lang="en-US" altLang="fr-FR" dirty="0" smtClean="0"/>
+              <a:rPr lang="en-US" altLang="fr-FR" dirty="0"/>
               <a:t>Le pas du for </a:t>
             </a:r>
             <a:r>
-              <a:rPr lang="en-US" altLang="fr-FR" dirty="0" err="1" smtClean="0"/>
+              <a:rPr lang="en-US" altLang="fr-FR" dirty="0" err="1"/>
               <a:t>peut</a:t>
             </a:r>
             <a:r>
-              <a:rPr lang="en-US" altLang="fr-FR" dirty="0" smtClean="0"/>
+              <a:rPr lang="en-US" altLang="fr-FR" dirty="0"/>
               <a:t> </a:t>
             </a:r>
             <a:r>
-              <a:rPr lang="en-US" altLang="fr-FR" dirty="0" err="1" smtClean="0"/>
+              <a:rPr lang="en-US" altLang="fr-FR" dirty="0" err="1"/>
               <a:t>être</a:t>
             </a:r>
             <a:r>
-              <a:rPr lang="en-US" altLang="fr-FR" dirty="0" smtClean="0"/>
+              <a:rPr lang="en-US" altLang="fr-FR" dirty="0"/>
               <a:t> </a:t>
             </a:r>
             <a:r>
-              <a:rPr lang="en-US" altLang="fr-FR" dirty="0" err="1" smtClean="0"/>
+              <a:rPr lang="en-US" altLang="fr-FR" dirty="0" err="1"/>
               <a:t>géré</a:t>
             </a:r>
             <a:r>
-              <a:rPr lang="en-US" altLang="fr-FR" dirty="0" smtClean="0"/>
+              <a:rPr lang="en-US" altLang="fr-FR" dirty="0"/>
               <a:t> avec </a:t>
             </a:r>
             <a:r>
-              <a:rPr lang="en-US" altLang="fr-FR" dirty="0" err="1" smtClean="0"/>
+              <a:rPr lang="en-US" altLang="fr-FR" dirty="0" err="1"/>
               <a:t>seq</a:t>
             </a:r>
             <a:r>
-              <a:rPr lang="en-US" altLang="fr-FR" dirty="0" smtClean="0"/>
+              <a:rPr lang="en-US" altLang="fr-FR" dirty="0"/>
               <a:t>()</a:t>
             </a:r>
-            <a:endParaRPr lang="en-US" altLang="fr-FR" dirty="0"/>
           </a:p>
         </p:txBody>
       </p:sp>
@@ -7773,13 +7364,6 @@
   <p:clrMapOvr>
     <a:masterClrMapping/>
   </p:clrMapOvr>
-  <p:timing>
-    <p:tnLst>
-      <p:par>
-        <p:cTn id="1" dur="indefinite" restart="never" nodeType="tmRoot"/>
-      </p:par>
-    </p:tnLst>
-  </p:timing>
 </p:sld>
 </file>
 
